--- a/DIVERSOS ARQUIVOS DO PROJETO/logo Cosmos e Contabilimax/Elaboracao_do_logo.pptx
+++ b/DIVERSOS ARQUIVOS DO PROJETO/logo Cosmos e Contabilimax/Elaboracao_do_logo.pptx
@@ -2,10 +2,11 @@
 <file path=ppt/presentation.xml><?xml version="1.0" encoding="utf-8"?>
 <p:presentation xmlns:a="http://schemas.openxmlformats.org/drawingml/2006/main" xmlns:r="http://schemas.openxmlformats.org/officeDocument/2006/relationships" xmlns:p="http://schemas.openxmlformats.org/presentationml/2006/main" saveSubsetFonts="1">
   <p:sldMasterIdLst>
-    <p:sldMasterId id="2147483648" r:id="rId1"/>
+    <p:sldMasterId id="2147483696" r:id="rId1"/>
   </p:sldMasterIdLst>
   <p:sldIdLst>
     <p:sldId id="256" r:id="rId2"/>
+    <p:sldId id="257" r:id="rId3"/>
   </p:sldIdLst>
   <p:sldSz cx="12192000" cy="6858000"/>
   <p:notesSz cx="6858000" cy="9144000"/>
@@ -134,7 +135,7 @@
           <p:cNvPr id="2" name="Título 1">
             <a:extLst>
               <a:ext uri="{FF2B5EF4-FFF2-40B4-BE49-F238E27FC236}">
-                <a16:creationId xmlns:a16="http://schemas.microsoft.com/office/drawing/2014/main" id="{125CEC93-788D-435D-BD84-0632AC6F4506}"/>
+                <a16:creationId xmlns:a16="http://schemas.microsoft.com/office/drawing/2014/main" id="{39910DBE-88C5-40E1-AE5C-87CF377AB930}"/>
               </a:ext>
             </a:extLst>
           </p:cNvPr>
@@ -171,7 +172,7 @@
           <p:cNvPr id="3" name="Subtítulo 2">
             <a:extLst>
               <a:ext uri="{FF2B5EF4-FFF2-40B4-BE49-F238E27FC236}">
-                <a16:creationId xmlns:a16="http://schemas.microsoft.com/office/drawing/2014/main" id="{D334A3A4-FDAF-464D-A287-9464CFB9F1BE}"/>
+                <a16:creationId xmlns:a16="http://schemas.microsoft.com/office/drawing/2014/main" id="{4EB0FA67-3350-446C-AB88-82345E57B10A}"/>
               </a:ext>
             </a:extLst>
           </p:cNvPr>
@@ -241,7 +242,7 @@
           <p:cNvPr id="4" name="Espaço Reservado para Data 3">
             <a:extLst>
               <a:ext uri="{FF2B5EF4-FFF2-40B4-BE49-F238E27FC236}">
-                <a16:creationId xmlns:a16="http://schemas.microsoft.com/office/drawing/2014/main" id="{751A9951-C8B4-4EDD-B141-72EF48F54942}"/>
+                <a16:creationId xmlns:a16="http://schemas.microsoft.com/office/drawing/2014/main" id="{0A0AF1B1-7E80-40EA-9396-3E42F15BE254}"/>
               </a:ext>
             </a:extLst>
           </p:cNvPr>
@@ -259,7 +260,7 @@
           <a:p>
             <a:fld id="{8A088855-E0D2-4F6E-B4C0-4EADC6426C1C}" type="datetimeFigureOut">
               <a:rPr lang="pt-BR" smtClean="0"/>
-              <a:t>02/02/2022</a:t>
+              <a:t>07/02/2022</a:t>
             </a:fld>
             <a:endParaRPr lang="pt-BR"/>
           </a:p>
@@ -270,7 +271,7 @@
           <p:cNvPr id="5" name="Espaço Reservado para Rodapé 4">
             <a:extLst>
               <a:ext uri="{FF2B5EF4-FFF2-40B4-BE49-F238E27FC236}">
-                <a16:creationId xmlns:a16="http://schemas.microsoft.com/office/drawing/2014/main" id="{E63F4454-DC8B-4555-85CB-03E187B6C094}"/>
+                <a16:creationId xmlns:a16="http://schemas.microsoft.com/office/drawing/2014/main" id="{53D8BBCA-35E1-45D1-A853-A3D3AB9C1FE2}"/>
               </a:ext>
             </a:extLst>
           </p:cNvPr>
@@ -295,7 +296,7 @@
           <p:cNvPr id="6" name="Espaço Reservado para Número de Slide 5">
             <a:extLst>
               <a:ext uri="{FF2B5EF4-FFF2-40B4-BE49-F238E27FC236}">
-                <a16:creationId xmlns:a16="http://schemas.microsoft.com/office/drawing/2014/main" id="{3C17E6C9-5E59-4BAD-B04B-1BAA5DB8BE6A}"/>
+                <a16:creationId xmlns:a16="http://schemas.microsoft.com/office/drawing/2014/main" id="{DB2B664B-7EFC-4A8B-92D9-43843FA25CEB}"/>
               </a:ext>
             </a:extLst>
           </p:cNvPr>
@@ -322,7 +323,7 @@
     </p:spTree>
     <p:extLst>
       <p:ext uri="{BB962C8B-B14F-4D97-AF65-F5344CB8AC3E}">
-        <p14:creationId xmlns:p14="http://schemas.microsoft.com/office/powerpoint/2010/main" val="4073214214"/>
+        <p14:creationId xmlns:p14="http://schemas.microsoft.com/office/powerpoint/2010/main" val="3373301851"/>
       </p:ext>
     </p:extLst>
   </p:cSld>
@@ -354,7 +355,7 @@
           <p:cNvPr id="2" name="Título 1">
             <a:extLst>
               <a:ext uri="{FF2B5EF4-FFF2-40B4-BE49-F238E27FC236}">
-                <a16:creationId xmlns:a16="http://schemas.microsoft.com/office/drawing/2014/main" id="{43B2F7FB-2D4D-40A9-B23C-97D8E7610ED3}"/>
+                <a16:creationId xmlns:a16="http://schemas.microsoft.com/office/drawing/2014/main" id="{6D8B703C-DFF3-4D1E-BD69-2C13A319CEC9}"/>
               </a:ext>
             </a:extLst>
           </p:cNvPr>
@@ -382,7 +383,7 @@
           <p:cNvPr id="3" name="Espaço Reservado para Texto Vertical 2">
             <a:extLst>
               <a:ext uri="{FF2B5EF4-FFF2-40B4-BE49-F238E27FC236}">
-                <a16:creationId xmlns:a16="http://schemas.microsoft.com/office/drawing/2014/main" id="{2CA33118-5BE4-413E-8866-77E80B888DF8}"/>
+                <a16:creationId xmlns:a16="http://schemas.microsoft.com/office/drawing/2014/main" id="{769B2551-FD51-41BC-A7B0-07FD07A2AB2F}"/>
               </a:ext>
             </a:extLst>
           </p:cNvPr>
@@ -439,7 +440,7 @@
           <p:cNvPr id="4" name="Espaço Reservado para Data 3">
             <a:extLst>
               <a:ext uri="{FF2B5EF4-FFF2-40B4-BE49-F238E27FC236}">
-                <a16:creationId xmlns:a16="http://schemas.microsoft.com/office/drawing/2014/main" id="{53445898-555C-48E9-B4C1-5D685A18AABC}"/>
+                <a16:creationId xmlns:a16="http://schemas.microsoft.com/office/drawing/2014/main" id="{16E2C5D1-26EC-4FB4-83BD-A198BF6BF31D}"/>
               </a:ext>
             </a:extLst>
           </p:cNvPr>
@@ -457,7 +458,7 @@
           <a:p>
             <a:fld id="{8A088855-E0D2-4F6E-B4C0-4EADC6426C1C}" type="datetimeFigureOut">
               <a:rPr lang="pt-BR" smtClean="0"/>
-              <a:t>02/02/2022</a:t>
+              <a:t>07/02/2022</a:t>
             </a:fld>
             <a:endParaRPr lang="pt-BR"/>
           </a:p>
@@ -468,7 +469,7 @@
           <p:cNvPr id="5" name="Espaço Reservado para Rodapé 4">
             <a:extLst>
               <a:ext uri="{FF2B5EF4-FFF2-40B4-BE49-F238E27FC236}">
-                <a16:creationId xmlns:a16="http://schemas.microsoft.com/office/drawing/2014/main" id="{D33CFDDE-F16F-4B02-B555-2CD02EE8B4F1}"/>
+                <a16:creationId xmlns:a16="http://schemas.microsoft.com/office/drawing/2014/main" id="{6A7671D4-DDF0-4906-B962-F9A0A6F93466}"/>
               </a:ext>
             </a:extLst>
           </p:cNvPr>
@@ -493,7 +494,7 @@
           <p:cNvPr id="6" name="Espaço Reservado para Número de Slide 5">
             <a:extLst>
               <a:ext uri="{FF2B5EF4-FFF2-40B4-BE49-F238E27FC236}">
-                <a16:creationId xmlns:a16="http://schemas.microsoft.com/office/drawing/2014/main" id="{B399E4EB-1C99-4CD7-9C2C-FFD2879CD4EA}"/>
+                <a16:creationId xmlns:a16="http://schemas.microsoft.com/office/drawing/2014/main" id="{98AA1DA3-F005-452B-8466-6B6D6411188B}"/>
               </a:ext>
             </a:extLst>
           </p:cNvPr>
@@ -520,7 +521,7 @@
     </p:spTree>
     <p:extLst>
       <p:ext uri="{BB962C8B-B14F-4D97-AF65-F5344CB8AC3E}">
-        <p14:creationId xmlns:p14="http://schemas.microsoft.com/office/powerpoint/2010/main" val="2542154536"/>
+        <p14:creationId xmlns:p14="http://schemas.microsoft.com/office/powerpoint/2010/main" val="3485480289"/>
       </p:ext>
     </p:extLst>
   </p:cSld>
@@ -552,7 +553,7 @@
           <p:cNvPr id="2" name="Título Vertical 1">
             <a:extLst>
               <a:ext uri="{FF2B5EF4-FFF2-40B4-BE49-F238E27FC236}">
-                <a16:creationId xmlns:a16="http://schemas.microsoft.com/office/drawing/2014/main" id="{91A3A100-79EA-4B88-A9DC-7F98228F5083}"/>
+                <a16:creationId xmlns:a16="http://schemas.microsoft.com/office/drawing/2014/main" id="{418EE668-1D13-40FD-A14D-2FD9338F43A5}"/>
               </a:ext>
             </a:extLst>
           </p:cNvPr>
@@ -585,7 +586,7 @@
           <p:cNvPr id="3" name="Espaço Reservado para Texto Vertical 2">
             <a:extLst>
               <a:ext uri="{FF2B5EF4-FFF2-40B4-BE49-F238E27FC236}">
-                <a16:creationId xmlns:a16="http://schemas.microsoft.com/office/drawing/2014/main" id="{65B777C7-299A-41C8-8B3C-A9431E8A2EC8}"/>
+                <a16:creationId xmlns:a16="http://schemas.microsoft.com/office/drawing/2014/main" id="{CF6B6184-A1D7-4E10-9FED-2197DFAC3C38}"/>
               </a:ext>
             </a:extLst>
           </p:cNvPr>
@@ -647,7 +648,7 @@
           <p:cNvPr id="4" name="Espaço Reservado para Data 3">
             <a:extLst>
               <a:ext uri="{FF2B5EF4-FFF2-40B4-BE49-F238E27FC236}">
-                <a16:creationId xmlns:a16="http://schemas.microsoft.com/office/drawing/2014/main" id="{0C10C622-BA6B-48A4-AB9E-432E55E2552A}"/>
+                <a16:creationId xmlns:a16="http://schemas.microsoft.com/office/drawing/2014/main" id="{0C73A344-1C64-480D-9CFB-C2B88892C10F}"/>
               </a:ext>
             </a:extLst>
           </p:cNvPr>
@@ -665,7 +666,7 @@
           <a:p>
             <a:fld id="{8A088855-E0D2-4F6E-B4C0-4EADC6426C1C}" type="datetimeFigureOut">
               <a:rPr lang="pt-BR" smtClean="0"/>
-              <a:t>02/02/2022</a:t>
+              <a:t>07/02/2022</a:t>
             </a:fld>
             <a:endParaRPr lang="pt-BR"/>
           </a:p>
@@ -676,7 +677,7 @@
           <p:cNvPr id="5" name="Espaço Reservado para Rodapé 4">
             <a:extLst>
               <a:ext uri="{FF2B5EF4-FFF2-40B4-BE49-F238E27FC236}">
-                <a16:creationId xmlns:a16="http://schemas.microsoft.com/office/drawing/2014/main" id="{F44D0821-7092-473E-B3F0-F539921016C4}"/>
+                <a16:creationId xmlns:a16="http://schemas.microsoft.com/office/drawing/2014/main" id="{5A08DB9A-F389-441A-B511-F113187DAE99}"/>
               </a:ext>
             </a:extLst>
           </p:cNvPr>
@@ -701,7 +702,7 @@
           <p:cNvPr id="6" name="Espaço Reservado para Número de Slide 5">
             <a:extLst>
               <a:ext uri="{FF2B5EF4-FFF2-40B4-BE49-F238E27FC236}">
-                <a16:creationId xmlns:a16="http://schemas.microsoft.com/office/drawing/2014/main" id="{0EDDCEC5-E836-4DF6-AAFC-936F0F315FBF}"/>
+                <a16:creationId xmlns:a16="http://schemas.microsoft.com/office/drawing/2014/main" id="{F25BA617-E061-4361-893A-E09971184C13}"/>
               </a:ext>
             </a:extLst>
           </p:cNvPr>
@@ -728,7 +729,7 @@
     </p:spTree>
     <p:extLst>
       <p:ext uri="{BB962C8B-B14F-4D97-AF65-F5344CB8AC3E}">
-        <p14:creationId xmlns:p14="http://schemas.microsoft.com/office/powerpoint/2010/main" val="1587204541"/>
+        <p14:creationId xmlns:p14="http://schemas.microsoft.com/office/powerpoint/2010/main" val="2277370276"/>
       </p:ext>
     </p:extLst>
   </p:cSld>
@@ -760,7 +761,7 @@
           <p:cNvPr id="2" name="Título 1">
             <a:extLst>
               <a:ext uri="{FF2B5EF4-FFF2-40B4-BE49-F238E27FC236}">
-                <a16:creationId xmlns:a16="http://schemas.microsoft.com/office/drawing/2014/main" id="{4E428478-1D1D-4350-A999-FF221CC5E658}"/>
+                <a16:creationId xmlns:a16="http://schemas.microsoft.com/office/drawing/2014/main" id="{F8DE7CD5-04F4-4E73-94A0-ABAD13731C81}"/>
               </a:ext>
             </a:extLst>
           </p:cNvPr>
@@ -788,7 +789,7 @@
           <p:cNvPr id="3" name="Espaço Reservado para Conteúdo 2">
             <a:extLst>
               <a:ext uri="{FF2B5EF4-FFF2-40B4-BE49-F238E27FC236}">
-                <a16:creationId xmlns:a16="http://schemas.microsoft.com/office/drawing/2014/main" id="{F3EE9316-F0D6-49F9-AA80-46B9867C4F99}"/>
+                <a16:creationId xmlns:a16="http://schemas.microsoft.com/office/drawing/2014/main" id="{B491C1BC-8C74-404F-9797-D5525D647FD3}"/>
               </a:ext>
             </a:extLst>
           </p:cNvPr>
@@ -845,7 +846,7 @@
           <p:cNvPr id="4" name="Espaço Reservado para Data 3">
             <a:extLst>
               <a:ext uri="{FF2B5EF4-FFF2-40B4-BE49-F238E27FC236}">
-                <a16:creationId xmlns:a16="http://schemas.microsoft.com/office/drawing/2014/main" id="{1E55E21D-8945-45A3-89B4-9FA11CE2BFC5}"/>
+                <a16:creationId xmlns:a16="http://schemas.microsoft.com/office/drawing/2014/main" id="{41F8E7EE-925D-44BC-A4B7-FAE2D6EB7FE4}"/>
               </a:ext>
             </a:extLst>
           </p:cNvPr>
@@ -863,7 +864,7 @@
           <a:p>
             <a:fld id="{8A088855-E0D2-4F6E-B4C0-4EADC6426C1C}" type="datetimeFigureOut">
               <a:rPr lang="pt-BR" smtClean="0"/>
-              <a:t>02/02/2022</a:t>
+              <a:t>07/02/2022</a:t>
             </a:fld>
             <a:endParaRPr lang="pt-BR"/>
           </a:p>
@@ -874,7 +875,7 @@
           <p:cNvPr id="5" name="Espaço Reservado para Rodapé 4">
             <a:extLst>
               <a:ext uri="{FF2B5EF4-FFF2-40B4-BE49-F238E27FC236}">
-                <a16:creationId xmlns:a16="http://schemas.microsoft.com/office/drawing/2014/main" id="{F7D4987F-8762-427F-AAC9-24D8C184FFF0}"/>
+                <a16:creationId xmlns:a16="http://schemas.microsoft.com/office/drawing/2014/main" id="{78BC3AB7-731F-40E3-AE54-03E4B50F13CC}"/>
               </a:ext>
             </a:extLst>
           </p:cNvPr>
@@ -899,7 +900,7 @@
           <p:cNvPr id="6" name="Espaço Reservado para Número de Slide 5">
             <a:extLst>
               <a:ext uri="{FF2B5EF4-FFF2-40B4-BE49-F238E27FC236}">
-                <a16:creationId xmlns:a16="http://schemas.microsoft.com/office/drawing/2014/main" id="{E3AF7C56-43C1-4C97-82D8-13ACF84E4942}"/>
+                <a16:creationId xmlns:a16="http://schemas.microsoft.com/office/drawing/2014/main" id="{228517E2-66D1-427A-8309-2C03F24A6EF1}"/>
               </a:ext>
             </a:extLst>
           </p:cNvPr>
@@ -926,7 +927,7 @@
     </p:spTree>
     <p:extLst>
       <p:ext uri="{BB962C8B-B14F-4D97-AF65-F5344CB8AC3E}">
-        <p14:creationId xmlns:p14="http://schemas.microsoft.com/office/powerpoint/2010/main" val="2014481311"/>
+        <p14:creationId xmlns:p14="http://schemas.microsoft.com/office/powerpoint/2010/main" val="3244688820"/>
       </p:ext>
     </p:extLst>
   </p:cSld>
@@ -958,7 +959,7 @@
           <p:cNvPr id="2" name="Título 1">
             <a:extLst>
               <a:ext uri="{FF2B5EF4-FFF2-40B4-BE49-F238E27FC236}">
-                <a16:creationId xmlns:a16="http://schemas.microsoft.com/office/drawing/2014/main" id="{D56ACE2C-0A4D-4E13-8E3D-3023F612EE3B}"/>
+                <a16:creationId xmlns:a16="http://schemas.microsoft.com/office/drawing/2014/main" id="{A838C508-FA26-42FD-80B3-86CA91982FD3}"/>
               </a:ext>
             </a:extLst>
           </p:cNvPr>
@@ -995,7 +996,7 @@
           <p:cNvPr id="3" name="Espaço Reservado para Texto 2">
             <a:extLst>
               <a:ext uri="{FF2B5EF4-FFF2-40B4-BE49-F238E27FC236}">
-                <a16:creationId xmlns:a16="http://schemas.microsoft.com/office/drawing/2014/main" id="{45ADB4D2-F020-49EA-986E-2A8F96DA98E7}"/>
+                <a16:creationId xmlns:a16="http://schemas.microsoft.com/office/drawing/2014/main" id="{46469DA4-E9AD-4D5C-B5BD-820850A1EDFF}"/>
               </a:ext>
             </a:extLst>
           </p:cNvPr>
@@ -1120,7 +1121,7 @@
           <p:cNvPr id="4" name="Espaço Reservado para Data 3">
             <a:extLst>
               <a:ext uri="{FF2B5EF4-FFF2-40B4-BE49-F238E27FC236}">
-                <a16:creationId xmlns:a16="http://schemas.microsoft.com/office/drawing/2014/main" id="{27F64415-4D4F-46A2-9AC7-1FDD13882360}"/>
+                <a16:creationId xmlns:a16="http://schemas.microsoft.com/office/drawing/2014/main" id="{35572B17-38FD-4B97-A114-E61709BE832C}"/>
               </a:ext>
             </a:extLst>
           </p:cNvPr>
@@ -1138,7 +1139,7 @@
           <a:p>
             <a:fld id="{8A088855-E0D2-4F6E-B4C0-4EADC6426C1C}" type="datetimeFigureOut">
               <a:rPr lang="pt-BR" smtClean="0"/>
-              <a:t>02/02/2022</a:t>
+              <a:t>07/02/2022</a:t>
             </a:fld>
             <a:endParaRPr lang="pt-BR"/>
           </a:p>
@@ -1149,7 +1150,7 @@
           <p:cNvPr id="5" name="Espaço Reservado para Rodapé 4">
             <a:extLst>
               <a:ext uri="{FF2B5EF4-FFF2-40B4-BE49-F238E27FC236}">
-                <a16:creationId xmlns:a16="http://schemas.microsoft.com/office/drawing/2014/main" id="{F2C2D349-4201-47EF-97E1-428D916FDCD1}"/>
+                <a16:creationId xmlns:a16="http://schemas.microsoft.com/office/drawing/2014/main" id="{E6A413DB-D288-403E-BAC0-5445D0743BCF}"/>
               </a:ext>
             </a:extLst>
           </p:cNvPr>
@@ -1174,7 +1175,7 @@
           <p:cNvPr id="6" name="Espaço Reservado para Número de Slide 5">
             <a:extLst>
               <a:ext uri="{FF2B5EF4-FFF2-40B4-BE49-F238E27FC236}">
-                <a16:creationId xmlns:a16="http://schemas.microsoft.com/office/drawing/2014/main" id="{0317D823-7DA3-4334-BE1A-2F35F24032EB}"/>
+                <a16:creationId xmlns:a16="http://schemas.microsoft.com/office/drawing/2014/main" id="{6C175F09-2F82-4454-8ACF-C9C38F3C05F4}"/>
               </a:ext>
             </a:extLst>
           </p:cNvPr>
@@ -1201,7 +1202,7 @@
     </p:spTree>
     <p:extLst>
       <p:ext uri="{BB962C8B-B14F-4D97-AF65-F5344CB8AC3E}">
-        <p14:creationId xmlns:p14="http://schemas.microsoft.com/office/powerpoint/2010/main" val="344361649"/>
+        <p14:creationId xmlns:p14="http://schemas.microsoft.com/office/powerpoint/2010/main" val="3514435876"/>
       </p:ext>
     </p:extLst>
   </p:cSld>
@@ -1233,7 +1234,7 @@
           <p:cNvPr id="2" name="Título 1">
             <a:extLst>
               <a:ext uri="{FF2B5EF4-FFF2-40B4-BE49-F238E27FC236}">
-                <a16:creationId xmlns:a16="http://schemas.microsoft.com/office/drawing/2014/main" id="{5E145B4A-1F67-4941-9210-B9C9172485FD}"/>
+                <a16:creationId xmlns:a16="http://schemas.microsoft.com/office/drawing/2014/main" id="{AB94CEA1-C245-417D-AA58-BFBAA0F88C19}"/>
               </a:ext>
             </a:extLst>
           </p:cNvPr>
@@ -1261,7 +1262,7 @@
           <p:cNvPr id="3" name="Espaço Reservado para Conteúdo 2">
             <a:extLst>
               <a:ext uri="{FF2B5EF4-FFF2-40B4-BE49-F238E27FC236}">
-                <a16:creationId xmlns:a16="http://schemas.microsoft.com/office/drawing/2014/main" id="{25FBA162-08D4-4360-878F-2F649D9CCFBE}"/>
+                <a16:creationId xmlns:a16="http://schemas.microsoft.com/office/drawing/2014/main" id="{FB12F34D-985D-4203-ABAA-2A91D29D5986}"/>
               </a:ext>
             </a:extLst>
           </p:cNvPr>
@@ -1323,7 +1324,7 @@
           <p:cNvPr id="4" name="Espaço Reservado para Conteúdo 3">
             <a:extLst>
               <a:ext uri="{FF2B5EF4-FFF2-40B4-BE49-F238E27FC236}">
-                <a16:creationId xmlns:a16="http://schemas.microsoft.com/office/drawing/2014/main" id="{C58E15DF-4994-42E3-851E-AA5A9476E48E}"/>
+                <a16:creationId xmlns:a16="http://schemas.microsoft.com/office/drawing/2014/main" id="{90365B9C-98C6-43D3-9CDA-927BD8E5E774}"/>
               </a:ext>
             </a:extLst>
           </p:cNvPr>
@@ -1385,7 +1386,7 @@
           <p:cNvPr id="5" name="Espaço Reservado para Data 4">
             <a:extLst>
               <a:ext uri="{FF2B5EF4-FFF2-40B4-BE49-F238E27FC236}">
-                <a16:creationId xmlns:a16="http://schemas.microsoft.com/office/drawing/2014/main" id="{311B630B-8742-408A-8ED3-4DAEAF4A2BB9}"/>
+                <a16:creationId xmlns:a16="http://schemas.microsoft.com/office/drawing/2014/main" id="{3BB3C642-ADB3-4CE3-AD94-FD6ED18C0F2B}"/>
               </a:ext>
             </a:extLst>
           </p:cNvPr>
@@ -1403,7 +1404,7 @@
           <a:p>
             <a:fld id="{8A088855-E0D2-4F6E-B4C0-4EADC6426C1C}" type="datetimeFigureOut">
               <a:rPr lang="pt-BR" smtClean="0"/>
-              <a:t>02/02/2022</a:t>
+              <a:t>07/02/2022</a:t>
             </a:fld>
             <a:endParaRPr lang="pt-BR"/>
           </a:p>
@@ -1414,7 +1415,7 @@
           <p:cNvPr id="6" name="Espaço Reservado para Rodapé 5">
             <a:extLst>
               <a:ext uri="{FF2B5EF4-FFF2-40B4-BE49-F238E27FC236}">
-                <a16:creationId xmlns:a16="http://schemas.microsoft.com/office/drawing/2014/main" id="{41F07476-18EE-4108-B044-F29599D7A468}"/>
+                <a16:creationId xmlns:a16="http://schemas.microsoft.com/office/drawing/2014/main" id="{163123D7-7E6D-4CB0-8AB8-CD477707C78B}"/>
               </a:ext>
             </a:extLst>
           </p:cNvPr>
@@ -1439,7 +1440,7 @@
           <p:cNvPr id="7" name="Espaço Reservado para Número de Slide 6">
             <a:extLst>
               <a:ext uri="{FF2B5EF4-FFF2-40B4-BE49-F238E27FC236}">
-                <a16:creationId xmlns:a16="http://schemas.microsoft.com/office/drawing/2014/main" id="{14CD42B0-F233-45C4-BD3C-4452D6500F93}"/>
+                <a16:creationId xmlns:a16="http://schemas.microsoft.com/office/drawing/2014/main" id="{46914638-6EB1-4A86-9DF5-CD789A43080F}"/>
               </a:ext>
             </a:extLst>
           </p:cNvPr>
@@ -1466,7 +1467,7 @@
     </p:spTree>
     <p:extLst>
       <p:ext uri="{BB962C8B-B14F-4D97-AF65-F5344CB8AC3E}">
-        <p14:creationId xmlns:p14="http://schemas.microsoft.com/office/powerpoint/2010/main" val="278550216"/>
+        <p14:creationId xmlns:p14="http://schemas.microsoft.com/office/powerpoint/2010/main" val="3545519443"/>
       </p:ext>
     </p:extLst>
   </p:cSld>
@@ -1498,7 +1499,7 @@
           <p:cNvPr id="2" name="Título 1">
             <a:extLst>
               <a:ext uri="{FF2B5EF4-FFF2-40B4-BE49-F238E27FC236}">
-                <a16:creationId xmlns:a16="http://schemas.microsoft.com/office/drawing/2014/main" id="{549B5462-A231-4025-8B66-0C82ECCC11A0}"/>
+                <a16:creationId xmlns:a16="http://schemas.microsoft.com/office/drawing/2014/main" id="{BAA4F0D1-7D34-4476-8D67-1896E431CDA7}"/>
               </a:ext>
             </a:extLst>
           </p:cNvPr>
@@ -1531,7 +1532,7 @@
           <p:cNvPr id="3" name="Espaço Reservado para Texto 2">
             <a:extLst>
               <a:ext uri="{FF2B5EF4-FFF2-40B4-BE49-F238E27FC236}">
-                <a16:creationId xmlns:a16="http://schemas.microsoft.com/office/drawing/2014/main" id="{38CDFBFD-3699-4580-A176-C83DECC1F7F6}"/>
+                <a16:creationId xmlns:a16="http://schemas.microsoft.com/office/drawing/2014/main" id="{ACCB3AEC-E5CF-45D9-BF64-F1CE4C04A706}"/>
               </a:ext>
             </a:extLst>
           </p:cNvPr>
@@ -1602,7 +1603,7 @@
           <p:cNvPr id="4" name="Espaço Reservado para Conteúdo 3">
             <a:extLst>
               <a:ext uri="{FF2B5EF4-FFF2-40B4-BE49-F238E27FC236}">
-                <a16:creationId xmlns:a16="http://schemas.microsoft.com/office/drawing/2014/main" id="{39AE58A8-D48C-4BAB-949C-C22870B771D7}"/>
+                <a16:creationId xmlns:a16="http://schemas.microsoft.com/office/drawing/2014/main" id="{C5E129CA-C7D3-4C7C-B617-A75D4E842869}"/>
               </a:ext>
             </a:extLst>
           </p:cNvPr>
@@ -1664,7 +1665,7 @@
           <p:cNvPr id="5" name="Espaço Reservado para Texto 4">
             <a:extLst>
               <a:ext uri="{FF2B5EF4-FFF2-40B4-BE49-F238E27FC236}">
-                <a16:creationId xmlns:a16="http://schemas.microsoft.com/office/drawing/2014/main" id="{4DC68516-3BA7-4B19-B038-85DC06E596B6}"/>
+                <a16:creationId xmlns:a16="http://schemas.microsoft.com/office/drawing/2014/main" id="{8DC41766-E13F-4CDF-9626-D976F5677E1E}"/>
               </a:ext>
             </a:extLst>
           </p:cNvPr>
@@ -1735,7 +1736,7 @@
           <p:cNvPr id="6" name="Espaço Reservado para Conteúdo 5">
             <a:extLst>
               <a:ext uri="{FF2B5EF4-FFF2-40B4-BE49-F238E27FC236}">
-                <a16:creationId xmlns:a16="http://schemas.microsoft.com/office/drawing/2014/main" id="{9EF28354-41DA-4C39-A117-86083FCBB054}"/>
+                <a16:creationId xmlns:a16="http://schemas.microsoft.com/office/drawing/2014/main" id="{972612D0-EC83-4838-B2C9-62F607F45BB7}"/>
               </a:ext>
             </a:extLst>
           </p:cNvPr>
@@ -1797,7 +1798,7 @@
           <p:cNvPr id="7" name="Espaço Reservado para Data 6">
             <a:extLst>
               <a:ext uri="{FF2B5EF4-FFF2-40B4-BE49-F238E27FC236}">
-                <a16:creationId xmlns:a16="http://schemas.microsoft.com/office/drawing/2014/main" id="{1A049A4C-F73C-47EC-BF16-41E235B03169}"/>
+                <a16:creationId xmlns:a16="http://schemas.microsoft.com/office/drawing/2014/main" id="{C19007E7-3CD6-4A83-9058-66CEC3CD0663}"/>
               </a:ext>
             </a:extLst>
           </p:cNvPr>
@@ -1815,7 +1816,7 @@
           <a:p>
             <a:fld id="{8A088855-E0D2-4F6E-B4C0-4EADC6426C1C}" type="datetimeFigureOut">
               <a:rPr lang="pt-BR" smtClean="0"/>
-              <a:t>02/02/2022</a:t>
+              <a:t>07/02/2022</a:t>
             </a:fld>
             <a:endParaRPr lang="pt-BR"/>
           </a:p>
@@ -1826,7 +1827,7 @@
           <p:cNvPr id="8" name="Espaço Reservado para Rodapé 7">
             <a:extLst>
               <a:ext uri="{FF2B5EF4-FFF2-40B4-BE49-F238E27FC236}">
-                <a16:creationId xmlns:a16="http://schemas.microsoft.com/office/drawing/2014/main" id="{009C1A69-6D74-4F74-A9FD-4F0200A0ACAA}"/>
+                <a16:creationId xmlns:a16="http://schemas.microsoft.com/office/drawing/2014/main" id="{952B51C5-0932-4FAE-8CBC-7B71A10F33C6}"/>
               </a:ext>
             </a:extLst>
           </p:cNvPr>
@@ -1851,7 +1852,7 @@
           <p:cNvPr id="9" name="Espaço Reservado para Número de Slide 8">
             <a:extLst>
               <a:ext uri="{FF2B5EF4-FFF2-40B4-BE49-F238E27FC236}">
-                <a16:creationId xmlns:a16="http://schemas.microsoft.com/office/drawing/2014/main" id="{B977B146-2FF9-439F-8E78-02C5A7616122}"/>
+                <a16:creationId xmlns:a16="http://schemas.microsoft.com/office/drawing/2014/main" id="{98BB0B90-64A4-4F03-BD03-FA6B46744522}"/>
               </a:ext>
             </a:extLst>
           </p:cNvPr>
@@ -1878,7 +1879,7 @@
     </p:spTree>
     <p:extLst>
       <p:ext uri="{BB962C8B-B14F-4D97-AF65-F5344CB8AC3E}">
-        <p14:creationId xmlns:p14="http://schemas.microsoft.com/office/powerpoint/2010/main" val="2801718834"/>
+        <p14:creationId xmlns:p14="http://schemas.microsoft.com/office/powerpoint/2010/main" val="3193100652"/>
       </p:ext>
     </p:extLst>
   </p:cSld>
@@ -1910,7 +1911,7 @@
           <p:cNvPr id="2" name="Título 1">
             <a:extLst>
               <a:ext uri="{FF2B5EF4-FFF2-40B4-BE49-F238E27FC236}">
-                <a16:creationId xmlns:a16="http://schemas.microsoft.com/office/drawing/2014/main" id="{A8120DC2-A3EE-497A-A4E5-638DA0D89925}"/>
+                <a16:creationId xmlns:a16="http://schemas.microsoft.com/office/drawing/2014/main" id="{480C5932-315C-4DE9-8694-6272F7EB5FEB}"/>
               </a:ext>
             </a:extLst>
           </p:cNvPr>
@@ -1938,7 +1939,7 @@
           <p:cNvPr id="3" name="Espaço Reservado para Data 2">
             <a:extLst>
               <a:ext uri="{FF2B5EF4-FFF2-40B4-BE49-F238E27FC236}">
-                <a16:creationId xmlns:a16="http://schemas.microsoft.com/office/drawing/2014/main" id="{A5730D38-7A65-464D-84B2-548E35A5E583}"/>
+                <a16:creationId xmlns:a16="http://schemas.microsoft.com/office/drawing/2014/main" id="{0207BF20-AD0C-44E3-9CEB-CC64947399AA}"/>
               </a:ext>
             </a:extLst>
           </p:cNvPr>
@@ -1956,7 +1957,7 @@
           <a:p>
             <a:fld id="{8A088855-E0D2-4F6E-B4C0-4EADC6426C1C}" type="datetimeFigureOut">
               <a:rPr lang="pt-BR" smtClean="0"/>
-              <a:t>02/02/2022</a:t>
+              <a:t>07/02/2022</a:t>
             </a:fld>
             <a:endParaRPr lang="pt-BR"/>
           </a:p>
@@ -1967,7 +1968,7 @@
           <p:cNvPr id="4" name="Espaço Reservado para Rodapé 3">
             <a:extLst>
               <a:ext uri="{FF2B5EF4-FFF2-40B4-BE49-F238E27FC236}">
-                <a16:creationId xmlns:a16="http://schemas.microsoft.com/office/drawing/2014/main" id="{1B42F972-AFFF-4079-B1E5-033480081A84}"/>
+                <a16:creationId xmlns:a16="http://schemas.microsoft.com/office/drawing/2014/main" id="{72B04C70-3A81-4BF4-B6A6-9EC7A902E953}"/>
               </a:ext>
             </a:extLst>
           </p:cNvPr>
@@ -1992,7 +1993,7 @@
           <p:cNvPr id="5" name="Espaço Reservado para Número de Slide 4">
             <a:extLst>
               <a:ext uri="{FF2B5EF4-FFF2-40B4-BE49-F238E27FC236}">
-                <a16:creationId xmlns:a16="http://schemas.microsoft.com/office/drawing/2014/main" id="{0392EF15-5E24-40BB-969A-E7C1BC946682}"/>
+                <a16:creationId xmlns:a16="http://schemas.microsoft.com/office/drawing/2014/main" id="{918D6AD1-3DFE-482B-9BD9-0FA003F99D30}"/>
               </a:ext>
             </a:extLst>
           </p:cNvPr>
@@ -2019,7 +2020,7 @@
     </p:spTree>
     <p:extLst>
       <p:ext uri="{BB962C8B-B14F-4D97-AF65-F5344CB8AC3E}">
-        <p14:creationId xmlns:p14="http://schemas.microsoft.com/office/powerpoint/2010/main" val="499249680"/>
+        <p14:creationId xmlns:p14="http://schemas.microsoft.com/office/powerpoint/2010/main" val="3385139975"/>
       </p:ext>
     </p:extLst>
   </p:cSld>
@@ -2051,7 +2052,7 @@
           <p:cNvPr id="2" name="Espaço Reservado para Data 1">
             <a:extLst>
               <a:ext uri="{FF2B5EF4-FFF2-40B4-BE49-F238E27FC236}">
-                <a16:creationId xmlns:a16="http://schemas.microsoft.com/office/drawing/2014/main" id="{2C0EFF53-2A6B-4A50-A81D-C5CDCF9ABC4C}"/>
+                <a16:creationId xmlns:a16="http://schemas.microsoft.com/office/drawing/2014/main" id="{957751BF-55DB-4E44-8AB2-3EC62BC5D406}"/>
               </a:ext>
             </a:extLst>
           </p:cNvPr>
@@ -2069,7 +2070,7 @@
           <a:p>
             <a:fld id="{8A088855-E0D2-4F6E-B4C0-4EADC6426C1C}" type="datetimeFigureOut">
               <a:rPr lang="pt-BR" smtClean="0"/>
-              <a:t>02/02/2022</a:t>
+              <a:t>07/02/2022</a:t>
             </a:fld>
             <a:endParaRPr lang="pt-BR"/>
           </a:p>
@@ -2080,7 +2081,7 @@
           <p:cNvPr id="3" name="Espaço Reservado para Rodapé 2">
             <a:extLst>
               <a:ext uri="{FF2B5EF4-FFF2-40B4-BE49-F238E27FC236}">
-                <a16:creationId xmlns:a16="http://schemas.microsoft.com/office/drawing/2014/main" id="{5BC32CF7-9D93-4BFB-BA17-F2B03C317E91}"/>
+                <a16:creationId xmlns:a16="http://schemas.microsoft.com/office/drawing/2014/main" id="{0C5F0859-136C-48DF-A895-E3D9E8E4CA24}"/>
               </a:ext>
             </a:extLst>
           </p:cNvPr>
@@ -2105,7 +2106,7 @@
           <p:cNvPr id="4" name="Espaço Reservado para Número de Slide 3">
             <a:extLst>
               <a:ext uri="{FF2B5EF4-FFF2-40B4-BE49-F238E27FC236}">
-                <a16:creationId xmlns:a16="http://schemas.microsoft.com/office/drawing/2014/main" id="{37D6DF52-AAF6-4F26-A517-E846BA1B82EB}"/>
+                <a16:creationId xmlns:a16="http://schemas.microsoft.com/office/drawing/2014/main" id="{E98F5317-BC2D-4772-8FEB-26AC59455E7B}"/>
               </a:ext>
             </a:extLst>
           </p:cNvPr>
@@ -2132,7 +2133,7 @@
     </p:spTree>
     <p:extLst>
       <p:ext uri="{BB962C8B-B14F-4D97-AF65-F5344CB8AC3E}">
-        <p14:creationId xmlns:p14="http://schemas.microsoft.com/office/powerpoint/2010/main" val="949688829"/>
+        <p14:creationId xmlns:p14="http://schemas.microsoft.com/office/powerpoint/2010/main" val="3632606418"/>
       </p:ext>
     </p:extLst>
   </p:cSld>
@@ -2164,7 +2165,7 @@
           <p:cNvPr id="2" name="Título 1">
             <a:extLst>
               <a:ext uri="{FF2B5EF4-FFF2-40B4-BE49-F238E27FC236}">
-                <a16:creationId xmlns:a16="http://schemas.microsoft.com/office/drawing/2014/main" id="{8125B58C-DAB0-4E5A-8548-97408B9F484B}"/>
+                <a16:creationId xmlns:a16="http://schemas.microsoft.com/office/drawing/2014/main" id="{E720DEBD-6A93-469B-B011-AA32B3AEB10A}"/>
               </a:ext>
             </a:extLst>
           </p:cNvPr>
@@ -2201,7 +2202,7 @@
           <p:cNvPr id="3" name="Espaço Reservado para Conteúdo 2">
             <a:extLst>
               <a:ext uri="{FF2B5EF4-FFF2-40B4-BE49-F238E27FC236}">
-                <a16:creationId xmlns:a16="http://schemas.microsoft.com/office/drawing/2014/main" id="{7D0E68C2-66FA-4B9F-9827-4BFD6AC3A771}"/>
+                <a16:creationId xmlns:a16="http://schemas.microsoft.com/office/drawing/2014/main" id="{176648CE-7D41-45CE-99F3-8965AD7E5456}"/>
               </a:ext>
             </a:extLst>
           </p:cNvPr>
@@ -2291,7 +2292,7 @@
           <p:cNvPr id="4" name="Espaço Reservado para Texto 3">
             <a:extLst>
               <a:ext uri="{FF2B5EF4-FFF2-40B4-BE49-F238E27FC236}">
-                <a16:creationId xmlns:a16="http://schemas.microsoft.com/office/drawing/2014/main" id="{33941961-8B25-4CDA-9E4C-16F8457426A5}"/>
+                <a16:creationId xmlns:a16="http://schemas.microsoft.com/office/drawing/2014/main" id="{24CCCFD1-7433-4AA6-B6D4-24AB6471E0D5}"/>
               </a:ext>
             </a:extLst>
           </p:cNvPr>
@@ -2362,7 +2363,7 @@
           <p:cNvPr id="5" name="Espaço Reservado para Data 4">
             <a:extLst>
               <a:ext uri="{FF2B5EF4-FFF2-40B4-BE49-F238E27FC236}">
-                <a16:creationId xmlns:a16="http://schemas.microsoft.com/office/drawing/2014/main" id="{363A22D9-8FC9-4D49-BBF9-032A5F22ECA0}"/>
+                <a16:creationId xmlns:a16="http://schemas.microsoft.com/office/drawing/2014/main" id="{A33C03B5-B524-470D-BD3D-56BA88F41735}"/>
               </a:ext>
             </a:extLst>
           </p:cNvPr>
@@ -2380,7 +2381,7 @@
           <a:p>
             <a:fld id="{8A088855-E0D2-4F6E-B4C0-4EADC6426C1C}" type="datetimeFigureOut">
               <a:rPr lang="pt-BR" smtClean="0"/>
-              <a:t>02/02/2022</a:t>
+              <a:t>07/02/2022</a:t>
             </a:fld>
             <a:endParaRPr lang="pt-BR"/>
           </a:p>
@@ -2391,7 +2392,7 @@
           <p:cNvPr id="6" name="Espaço Reservado para Rodapé 5">
             <a:extLst>
               <a:ext uri="{FF2B5EF4-FFF2-40B4-BE49-F238E27FC236}">
-                <a16:creationId xmlns:a16="http://schemas.microsoft.com/office/drawing/2014/main" id="{5828CA82-4E05-425A-B13E-205105564F9C}"/>
+                <a16:creationId xmlns:a16="http://schemas.microsoft.com/office/drawing/2014/main" id="{2D3358C9-F919-4AB7-8366-9876FEAD1BB1}"/>
               </a:ext>
             </a:extLst>
           </p:cNvPr>
@@ -2416,7 +2417,7 @@
           <p:cNvPr id="7" name="Espaço Reservado para Número de Slide 6">
             <a:extLst>
               <a:ext uri="{FF2B5EF4-FFF2-40B4-BE49-F238E27FC236}">
-                <a16:creationId xmlns:a16="http://schemas.microsoft.com/office/drawing/2014/main" id="{F68B39F7-8C9F-486C-9354-D003998E84D0}"/>
+                <a16:creationId xmlns:a16="http://schemas.microsoft.com/office/drawing/2014/main" id="{3492A5BD-FFDB-463C-B928-5185F9FCC8A9}"/>
               </a:ext>
             </a:extLst>
           </p:cNvPr>
@@ -2443,7 +2444,7 @@
     </p:spTree>
     <p:extLst>
       <p:ext uri="{BB962C8B-B14F-4D97-AF65-F5344CB8AC3E}">
-        <p14:creationId xmlns:p14="http://schemas.microsoft.com/office/powerpoint/2010/main" val="382390471"/>
+        <p14:creationId xmlns:p14="http://schemas.microsoft.com/office/powerpoint/2010/main" val="3315136294"/>
       </p:ext>
     </p:extLst>
   </p:cSld>
@@ -2475,7 +2476,7 @@
           <p:cNvPr id="2" name="Título 1">
             <a:extLst>
               <a:ext uri="{FF2B5EF4-FFF2-40B4-BE49-F238E27FC236}">
-                <a16:creationId xmlns:a16="http://schemas.microsoft.com/office/drawing/2014/main" id="{24517A52-1886-47CB-AFD8-1672E9F87D4A}"/>
+                <a16:creationId xmlns:a16="http://schemas.microsoft.com/office/drawing/2014/main" id="{4C54553F-34D5-4033-A2DD-F93A02CEDCED}"/>
               </a:ext>
             </a:extLst>
           </p:cNvPr>
@@ -2512,7 +2513,7 @@
           <p:cNvPr id="3" name="Espaço Reservado para Imagem 2">
             <a:extLst>
               <a:ext uri="{FF2B5EF4-FFF2-40B4-BE49-F238E27FC236}">
-                <a16:creationId xmlns:a16="http://schemas.microsoft.com/office/drawing/2014/main" id="{78061920-2372-4DFF-832A-DEB44DD60F48}"/>
+                <a16:creationId xmlns:a16="http://schemas.microsoft.com/office/drawing/2014/main" id="{F2CF362E-F45B-41D5-B789-D0F109404B45}"/>
               </a:ext>
             </a:extLst>
           </p:cNvPr>
@@ -2579,7 +2580,7 @@
           <p:cNvPr id="4" name="Espaço Reservado para Texto 3">
             <a:extLst>
               <a:ext uri="{FF2B5EF4-FFF2-40B4-BE49-F238E27FC236}">
-                <a16:creationId xmlns:a16="http://schemas.microsoft.com/office/drawing/2014/main" id="{C1B847F3-C2E1-4F57-B936-66CDE0174D7C}"/>
+                <a16:creationId xmlns:a16="http://schemas.microsoft.com/office/drawing/2014/main" id="{F1BCC13E-19FC-4C69-9F74-55B3CB32E0D0}"/>
               </a:ext>
             </a:extLst>
           </p:cNvPr>
@@ -2650,7 +2651,7 @@
           <p:cNvPr id="5" name="Espaço Reservado para Data 4">
             <a:extLst>
               <a:ext uri="{FF2B5EF4-FFF2-40B4-BE49-F238E27FC236}">
-                <a16:creationId xmlns:a16="http://schemas.microsoft.com/office/drawing/2014/main" id="{9D430332-6319-4880-BDC9-9DB7096CD292}"/>
+                <a16:creationId xmlns:a16="http://schemas.microsoft.com/office/drawing/2014/main" id="{7C434AB6-F4B2-41DB-821C-47F75C291F97}"/>
               </a:ext>
             </a:extLst>
           </p:cNvPr>
@@ -2668,7 +2669,7 @@
           <a:p>
             <a:fld id="{8A088855-E0D2-4F6E-B4C0-4EADC6426C1C}" type="datetimeFigureOut">
               <a:rPr lang="pt-BR" smtClean="0"/>
-              <a:t>02/02/2022</a:t>
+              <a:t>07/02/2022</a:t>
             </a:fld>
             <a:endParaRPr lang="pt-BR"/>
           </a:p>
@@ -2679,7 +2680,7 @@
           <p:cNvPr id="6" name="Espaço Reservado para Rodapé 5">
             <a:extLst>
               <a:ext uri="{FF2B5EF4-FFF2-40B4-BE49-F238E27FC236}">
-                <a16:creationId xmlns:a16="http://schemas.microsoft.com/office/drawing/2014/main" id="{BC855525-475E-430B-95C7-64F915993C07}"/>
+                <a16:creationId xmlns:a16="http://schemas.microsoft.com/office/drawing/2014/main" id="{E6752DAD-9151-4089-823C-A7E5FAEC6928}"/>
               </a:ext>
             </a:extLst>
           </p:cNvPr>
@@ -2704,7 +2705,7 @@
           <p:cNvPr id="7" name="Espaço Reservado para Número de Slide 6">
             <a:extLst>
               <a:ext uri="{FF2B5EF4-FFF2-40B4-BE49-F238E27FC236}">
-                <a16:creationId xmlns:a16="http://schemas.microsoft.com/office/drawing/2014/main" id="{88882D05-4A5F-4D59-A7D0-1E5956B48B61}"/>
+                <a16:creationId xmlns:a16="http://schemas.microsoft.com/office/drawing/2014/main" id="{4377A1B8-DBF0-4C2F-9C39-3BBEAEB8B71B}"/>
               </a:ext>
             </a:extLst>
           </p:cNvPr>
@@ -2731,7 +2732,7 @@
     </p:spTree>
     <p:extLst>
       <p:ext uri="{BB962C8B-B14F-4D97-AF65-F5344CB8AC3E}">
-        <p14:creationId xmlns:p14="http://schemas.microsoft.com/office/powerpoint/2010/main" val="2981879644"/>
+        <p14:creationId xmlns:p14="http://schemas.microsoft.com/office/powerpoint/2010/main" val="1159618430"/>
       </p:ext>
     </p:extLst>
   </p:cSld>
@@ -2768,7 +2769,7 @@
           <p:cNvPr id="2" name="Espaço Reservado para Título 1">
             <a:extLst>
               <a:ext uri="{FF2B5EF4-FFF2-40B4-BE49-F238E27FC236}">
-                <a16:creationId xmlns:a16="http://schemas.microsoft.com/office/drawing/2014/main" id="{EB75CA71-AFC0-42BB-8008-70ABA6EF5B96}"/>
+                <a16:creationId xmlns:a16="http://schemas.microsoft.com/office/drawing/2014/main" id="{E7605D4C-B36D-4292-80EA-833CEE5812C0}"/>
               </a:ext>
             </a:extLst>
           </p:cNvPr>
@@ -2806,7 +2807,7 @@
           <p:cNvPr id="3" name="Espaço Reservado para Texto 2">
             <a:extLst>
               <a:ext uri="{FF2B5EF4-FFF2-40B4-BE49-F238E27FC236}">
-                <a16:creationId xmlns:a16="http://schemas.microsoft.com/office/drawing/2014/main" id="{DB8F3A97-84E2-487D-A726-38ABCAE28E97}"/>
+                <a16:creationId xmlns:a16="http://schemas.microsoft.com/office/drawing/2014/main" id="{6A3FBDEC-B549-4C05-993E-F6FE027F04B4}"/>
               </a:ext>
             </a:extLst>
           </p:cNvPr>
@@ -2873,7 +2874,7 @@
           <p:cNvPr id="4" name="Espaço Reservado para Data 3">
             <a:extLst>
               <a:ext uri="{FF2B5EF4-FFF2-40B4-BE49-F238E27FC236}">
-                <a16:creationId xmlns:a16="http://schemas.microsoft.com/office/drawing/2014/main" id="{B9DE8569-9AA8-4625-8FCE-F29AD9C1A402}"/>
+                <a16:creationId xmlns:a16="http://schemas.microsoft.com/office/drawing/2014/main" id="{94B49D84-A994-4477-81CE-1342B852A086}"/>
               </a:ext>
             </a:extLst>
           </p:cNvPr>
@@ -2909,7 +2910,7 @@
           <a:p>
             <a:fld id="{8A088855-E0D2-4F6E-B4C0-4EADC6426C1C}" type="datetimeFigureOut">
               <a:rPr lang="pt-BR" smtClean="0"/>
-              <a:t>02/02/2022</a:t>
+              <a:t>07/02/2022</a:t>
             </a:fld>
             <a:endParaRPr lang="pt-BR"/>
           </a:p>
@@ -2920,7 +2921,7 @@
           <p:cNvPr id="5" name="Espaço Reservado para Rodapé 4">
             <a:extLst>
               <a:ext uri="{FF2B5EF4-FFF2-40B4-BE49-F238E27FC236}">
-                <a16:creationId xmlns:a16="http://schemas.microsoft.com/office/drawing/2014/main" id="{B657E8E5-FCC9-453A-BED5-3823D3AB0C8D}"/>
+                <a16:creationId xmlns:a16="http://schemas.microsoft.com/office/drawing/2014/main" id="{910FD327-3EC1-4608-BD07-237AC7C703D8}"/>
               </a:ext>
             </a:extLst>
           </p:cNvPr>
@@ -2963,7 +2964,7 @@
           <p:cNvPr id="6" name="Espaço Reservado para Número de Slide 5">
             <a:extLst>
               <a:ext uri="{FF2B5EF4-FFF2-40B4-BE49-F238E27FC236}">
-                <a16:creationId xmlns:a16="http://schemas.microsoft.com/office/drawing/2014/main" id="{BC75F0FF-1533-4919-B703-BE81DC6AE4DF}"/>
+                <a16:creationId xmlns:a16="http://schemas.microsoft.com/office/drawing/2014/main" id="{E276FEE0-D848-4BEF-886C-CE367C6576BD}"/>
               </a:ext>
             </a:extLst>
           </p:cNvPr>
@@ -3008,23 +3009,23 @@
     </p:spTree>
     <p:extLst>
       <p:ext uri="{BB962C8B-B14F-4D97-AF65-F5344CB8AC3E}">
-        <p14:creationId xmlns:p14="http://schemas.microsoft.com/office/powerpoint/2010/main" val="4034241577"/>
+        <p14:creationId xmlns:p14="http://schemas.microsoft.com/office/powerpoint/2010/main" val="1147460334"/>
       </p:ext>
     </p:extLst>
   </p:cSld>
   <p:clrMap bg1="lt1" tx1="dk1" bg2="lt2" tx2="dk2" accent1="accent1" accent2="accent2" accent3="accent3" accent4="accent4" accent5="accent5" accent6="accent6" hlink="hlink" folHlink="folHlink"/>
   <p:sldLayoutIdLst>
-    <p:sldLayoutId id="2147483649" r:id="rId1"/>
-    <p:sldLayoutId id="2147483650" r:id="rId2"/>
-    <p:sldLayoutId id="2147483651" r:id="rId3"/>
-    <p:sldLayoutId id="2147483652" r:id="rId4"/>
-    <p:sldLayoutId id="2147483653" r:id="rId5"/>
-    <p:sldLayoutId id="2147483654" r:id="rId6"/>
-    <p:sldLayoutId id="2147483655" r:id="rId7"/>
-    <p:sldLayoutId id="2147483656" r:id="rId8"/>
-    <p:sldLayoutId id="2147483657" r:id="rId9"/>
-    <p:sldLayoutId id="2147483658" r:id="rId10"/>
-    <p:sldLayoutId id="2147483659" r:id="rId11"/>
+    <p:sldLayoutId id="2147483697" r:id="rId1"/>
+    <p:sldLayoutId id="2147483698" r:id="rId2"/>
+    <p:sldLayoutId id="2147483699" r:id="rId3"/>
+    <p:sldLayoutId id="2147483700" r:id="rId4"/>
+    <p:sldLayoutId id="2147483701" r:id="rId5"/>
+    <p:sldLayoutId id="2147483702" r:id="rId6"/>
+    <p:sldLayoutId id="2147483703" r:id="rId7"/>
+    <p:sldLayoutId id="2147483704" r:id="rId8"/>
+    <p:sldLayoutId id="2147483705" r:id="rId9"/>
+    <p:sldLayoutId id="2147483706" r:id="rId10"/>
+    <p:sldLayoutId id="2147483707" r:id="rId11"/>
   </p:sldLayoutIdLst>
   <p:txStyles>
     <p:titleStyle>
@@ -3328,38 +3329,1479 @@
       </p:grpSpPr>
       <p:sp>
         <p:nvSpPr>
-          <p:cNvPr id="2" name="Título 1">
-            <a:extLst>
-              <a:ext uri="{FF2B5EF4-FFF2-40B4-BE49-F238E27FC236}">
-                <a16:creationId xmlns:a16="http://schemas.microsoft.com/office/drawing/2014/main" id="{F126AC0B-27BB-406D-964F-6ECD754C12DC}"/>
-              </a:ext>
-            </a:extLst>
-          </p:cNvPr>
-          <p:cNvSpPr>
-            <a:spLocks noGrp="1"/>
-          </p:cNvSpPr>
-          <p:nvPr>
-            <p:ph type="ctrTitle"/>
+          <p:cNvPr id="4" name="Subtítulo 3">
+            <a:extLst>
+              <a:ext uri="{FF2B5EF4-FFF2-40B4-BE49-F238E27FC236}">
+                <a16:creationId xmlns:a16="http://schemas.microsoft.com/office/drawing/2014/main" id="{7DB90064-A6B0-4E74-8B56-CA9F9D788881}"/>
+              </a:ext>
+            </a:extLst>
+          </p:cNvPr>
+          <p:cNvSpPr>
+            <a:spLocks noGrp="1"/>
+          </p:cNvSpPr>
+          <p:nvPr>
+            <p:ph type="subTitle" idx="1"/>
           </p:nvPr>
         </p:nvSpPr>
         <p:spPr>
           <a:xfrm>
-            <a:off x="803563" y="1376216"/>
+            <a:off x="5246435" y="2742646"/>
+            <a:ext cx="3071611" cy="1370692"/>
+          </a:xfrm>
+          <a:ln>
+            <a:noFill/>
+          </a:ln>
+        </p:spPr>
+        <p:txBody>
+          <a:bodyPr>
+            <a:normAutofit lnSpcReduction="10000"/>
+          </a:bodyPr>
+          <a:lstStyle/>
+          <a:p>
+            <a:endParaRPr lang="pt-BR" dirty="0"/>
+          </a:p>
+          <a:p>
+            <a:r>
+              <a:rPr lang="pt-BR" sz="6500" dirty="0">
+                <a:solidFill>
+                  <a:srgbClr val="2A689C"/>
+                </a:solidFill>
+                <a:effectLst>
+                  <a:outerShdw blurRad="38100" dist="38100" dir="2700000" algn="tl">
+                    <a:srgbClr val="000000">
+                      <a:alpha val="43137"/>
+                    </a:srgbClr>
+                  </a:outerShdw>
+                </a:effectLst>
+                <a:latin typeface="Loew Heavy" panose="00000A00000000000000" pitchFamily="50" charset="0"/>
+              </a:rPr>
+              <a:t> MA</a:t>
+            </a:r>
+          </a:p>
+        </p:txBody>
+      </p:sp>
+      <p:sp>
+        <p:nvSpPr>
+          <p:cNvPr id="18" name="Subtítulo 3">
+            <a:extLst>
+              <a:ext uri="{FF2B5EF4-FFF2-40B4-BE49-F238E27FC236}">
+                <a16:creationId xmlns:a16="http://schemas.microsoft.com/office/drawing/2014/main" id="{B2B2452F-616F-4444-877A-9E2BA1739279}"/>
+              </a:ext>
+            </a:extLst>
+          </p:cNvPr>
+          <p:cNvSpPr txBox="1">
+            <a:spLocks/>
+          </p:cNvSpPr>
+          <p:nvPr/>
+        </p:nvSpPr>
+        <p:spPr>
+          <a:xfrm>
+            <a:off x="1691235" y="2641600"/>
+            <a:ext cx="4669105" cy="1425388"/>
+          </a:xfrm>
+          <a:prstGeom prst="rect">
+            <a:avLst/>
+          </a:prstGeom>
+          <a:ln>
+            <a:noFill/>
+          </a:ln>
+        </p:spPr>
+        <p:txBody>
+          <a:bodyPr vert="horz" lIns="91440" tIns="45720" rIns="91440" bIns="45720" rtlCol="0">
+            <a:normAutofit fontScale="92500"/>
+          </a:bodyPr>
+          <a:lstStyle>
+            <a:lvl1pPr marL="0" indent="0" algn="ctr" defTabSz="914400" rtl="0" eaLnBrk="1" latinLnBrk="0" hangingPunct="1">
+              <a:lnSpc>
+                <a:spcPct val="90000"/>
+              </a:lnSpc>
+              <a:spcBef>
+                <a:spcPts val="1000"/>
+              </a:spcBef>
+              <a:buFont typeface="Arial" panose="020B0604020202020204" pitchFamily="34" charset="0"/>
+              <a:buNone/>
+              <a:defRPr sz="2400" kern="1200">
+                <a:solidFill>
+                  <a:schemeClr val="tx1"/>
+                </a:solidFill>
+                <a:latin typeface="+mn-lt"/>
+                <a:ea typeface="+mn-ea"/>
+                <a:cs typeface="+mn-cs"/>
+              </a:defRPr>
+            </a:lvl1pPr>
+            <a:lvl2pPr marL="457200" indent="0" algn="ctr" defTabSz="914400" rtl="0" eaLnBrk="1" latinLnBrk="0" hangingPunct="1">
+              <a:lnSpc>
+                <a:spcPct val="90000"/>
+              </a:lnSpc>
+              <a:spcBef>
+                <a:spcPts val="500"/>
+              </a:spcBef>
+              <a:buFont typeface="Arial" panose="020B0604020202020204" pitchFamily="34" charset="0"/>
+              <a:buNone/>
+              <a:defRPr sz="2000" kern="1200">
+                <a:solidFill>
+                  <a:schemeClr val="tx1"/>
+                </a:solidFill>
+                <a:latin typeface="+mn-lt"/>
+                <a:ea typeface="+mn-ea"/>
+                <a:cs typeface="+mn-cs"/>
+              </a:defRPr>
+            </a:lvl2pPr>
+            <a:lvl3pPr marL="914400" indent="0" algn="ctr" defTabSz="914400" rtl="0" eaLnBrk="1" latinLnBrk="0" hangingPunct="1">
+              <a:lnSpc>
+                <a:spcPct val="90000"/>
+              </a:lnSpc>
+              <a:spcBef>
+                <a:spcPts val="500"/>
+              </a:spcBef>
+              <a:buFont typeface="Arial" panose="020B0604020202020204" pitchFamily="34" charset="0"/>
+              <a:buNone/>
+              <a:defRPr sz="1800" kern="1200">
+                <a:solidFill>
+                  <a:schemeClr val="tx1"/>
+                </a:solidFill>
+                <a:latin typeface="+mn-lt"/>
+                <a:ea typeface="+mn-ea"/>
+                <a:cs typeface="+mn-cs"/>
+              </a:defRPr>
+            </a:lvl3pPr>
+            <a:lvl4pPr marL="1371600" indent="0" algn="ctr" defTabSz="914400" rtl="0" eaLnBrk="1" latinLnBrk="0" hangingPunct="1">
+              <a:lnSpc>
+                <a:spcPct val="90000"/>
+              </a:lnSpc>
+              <a:spcBef>
+                <a:spcPts val="500"/>
+              </a:spcBef>
+              <a:buFont typeface="Arial" panose="020B0604020202020204" pitchFamily="34" charset="0"/>
+              <a:buNone/>
+              <a:defRPr sz="1600" kern="1200">
+                <a:solidFill>
+                  <a:schemeClr val="tx1"/>
+                </a:solidFill>
+                <a:latin typeface="+mn-lt"/>
+                <a:ea typeface="+mn-ea"/>
+                <a:cs typeface="+mn-cs"/>
+              </a:defRPr>
+            </a:lvl4pPr>
+            <a:lvl5pPr marL="1828800" indent="0" algn="ctr" defTabSz="914400" rtl="0" eaLnBrk="1" latinLnBrk="0" hangingPunct="1">
+              <a:lnSpc>
+                <a:spcPct val="90000"/>
+              </a:lnSpc>
+              <a:spcBef>
+                <a:spcPts val="500"/>
+              </a:spcBef>
+              <a:buFont typeface="Arial" panose="020B0604020202020204" pitchFamily="34" charset="0"/>
+              <a:buNone/>
+              <a:defRPr sz="1600" kern="1200">
+                <a:solidFill>
+                  <a:schemeClr val="tx1"/>
+                </a:solidFill>
+                <a:latin typeface="+mn-lt"/>
+                <a:ea typeface="+mn-ea"/>
+                <a:cs typeface="+mn-cs"/>
+              </a:defRPr>
+            </a:lvl5pPr>
+            <a:lvl6pPr marL="2286000" indent="0" algn="ctr" defTabSz="914400" rtl="0" eaLnBrk="1" latinLnBrk="0" hangingPunct="1">
+              <a:lnSpc>
+                <a:spcPct val="90000"/>
+              </a:lnSpc>
+              <a:spcBef>
+                <a:spcPts val="500"/>
+              </a:spcBef>
+              <a:buFont typeface="Arial" panose="020B0604020202020204" pitchFamily="34" charset="0"/>
+              <a:buNone/>
+              <a:defRPr sz="1600" kern="1200">
+                <a:solidFill>
+                  <a:schemeClr val="tx1"/>
+                </a:solidFill>
+                <a:latin typeface="+mn-lt"/>
+                <a:ea typeface="+mn-ea"/>
+                <a:cs typeface="+mn-cs"/>
+              </a:defRPr>
+            </a:lvl6pPr>
+            <a:lvl7pPr marL="2743200" indent="0" algn="ctr" defTabSz="914400" rtl="0" eaLnBrk="1" latinLnBrk="0" hangingPunct="1">
+              <a:lnSpc>
+                <a:spcPct val="90000"/>
+              </a:lnSpc>
+              <a:spcBef>
+                <a:spcPts val="500"/>
+              </a:spcBef>
+              <a:buFont typeface="Arial" panose="020B0604020202020204" pitchFamily="34" charset="0"/>
+              <a:buNone/>
+              <a:defRPr sz="1600" kern="1200">
+                <a:solidFill>
+                  <a:schemeClr val="tx1"/>
+                </a:solidFill>
+                <a:latin typeface="+mn-lt"/>
+                <a:ea typeface="+mn-ea"/>
+                <a:cs typeface="+mn-cs"/>
+              </a:defRPr>
+            </a:lvl7pPr>
+            <a:lvl8pPr marL="3200400" indent="0" algn="ctr" defTabSz="914400" rtl="0" eaLnBrk="1" latinLnBrk="0" hangingPunct="1">
+              <a:lnSpc>
+                <a:spcPct val="90000"/>
+              </a:lnSpc>
+              <a:spcBef>
+                <a:spcPts val="500"/>
+              </a:spcBef>
+              <a:buFont typeface="Arial" panose="020B0604020202020204" pitchFamily="34" charset="0"/>
+              <a:buNone/>
+              <a:defRPr sz="1600" kern="1200">
+                <a:solidFill>
+                  <a:schemeClr val="tx1"/>
+                </a:solidFill>
+                <a:latin typeface="+mn-lt"/>
+                <a:ea typeface="+mn-ea"/>
+                <a:cs typeface="+mn-cs"/>
+              </a:defRPr>
+            </a:lvl8pPr>
+            <a:lvl9pPr marL="3657600" indent="0" algn="ctr" defTabSz="914400" rtl="0" eaLnBrk="1" latinLnBrk="0" hangingPunct="1">
+              <a:lnSpc>
+                <a:spcPct val="90000"/>
+              </a:lnSpc>
+              <a:spcBef>
+                <a:spcPts val="500"/>
+              </a:spcBef>
+              <a:buFont typeface="Arial" panose="020B0604020202020204" pitchFamily="34" charset="0"/>
+              <a:buNone/>
+              <a:defRPr sz="1600" kern="1200">
+                <a:solidFill>
+                  <a:schemeClr val="tx1"/>
+                </a:solidFill>
+                <a:latin typeface="+mn-lt"/>
+                <a:ea typeface="+mn-ea"/>
+                <a:cs typeface="+mn-cs"/>
+              </a:defRPr>
+            </a:lvl9pPr>
+          </a:lstStyle>
+          <a:p>
+            <a:endParaRPr lang="pt-BR" dirty="0"/>
+          </a:p>
+          <a:p>
+            <a:r>
+              <a:rPr lang="pt-BR" sz="6500" spc="-200" dirty="0">
+                <a:effectLst>
+                  <a:outerShdw blurRad="38100" dist="38100" dir="2700000" algn="tl">
+                    <a:srgbClr val="000000">
+                      <a:alpha val="43137"/>
+                    </a:srgbClr>
+                  </a:outerShdw>
+                </a:effectLst>
+                <a:latin typeface="Loew Heavy" panose="00000A00000000000000" pitchFamily="50" charset="0"/>
+              </a:rPr>
+              <a:t>CONTABILI</a:t>
+            </a:r>
+            <a:endParaRPr lang="pt-BR" sz="6500" dirty="0">
+              <a:solidFill>
+                <a:srgbClr val="2A689C"/>
+              </a:solidFill>
+              <a:effectLst>
+                <a:outerShdw blurRad="38100" dist="38100" dir="2700000" algn="tl">
+                  <a:srgbClr val="000000">
+                    <a:alpha val="43137"/>
+                  </a:srgbClr>
+                </a:outerShdw>
+              </a:effectLst>
+              <a:latin typeface="Loew Heavy" panose="00000A00000000000000" pitchFamily="50" charset="0"/>
+            </a:endParaRPr>
+          </a:p>
+        </p:txBody>
+      </p:sp>
+      <p:sp>
+        <p:nvSpPr>
+          <p:cNvPr id="10" name="Forma Livre: Forma 9">
+            <a:extLst>
+              <a:ext uri="{FF2B5EF4-FFF2-40B4-BE49-F238E27FC236}">
+                <a16:creationId xmlns:a16="http://schemas.microsoft.com/office/drawing/2014/main" id="{7A40D5BB-9436-4100-9A8D-37B5F284E4C9}"/>
+              </a:ext>
+            </a:extLst>
+          </p:cNvPr>
+          <p:cNvSpPr/>
+          <p:nvPr/>
+        </p:nvSpPr>
+        <p:spPr>
+          <a:xfrm rot="13018805" flipH="1">
+            <a:off x="7798818" y="3622664"/>
+            <a:ext cx="713602" cy="622548"/>
+          </a:xfrm>
+          <a:custGeom>
+            <a:avLst/>
+            <a:gdLst>
+              <a:gd name="connsiteX0" fmla="*/ 1296063 w 2592126"/>
+              <a:gd name="connsiteY0" fmla="*/ 0 h 2592000"/>
+              <a:gd name="connsiteX1" fmla="*/ 2592126 w 2592126"/>
+              <a:gd name="connsiteY1" fmla="*/ 1296000 h 2592000"/>
+              <a:gd name="connsiteX2" fmla="*/ 1296062 w 2592126"/>
+              <a:gd name="connsiteY2" fmla="*/ 1296000 h 2592000"/>
+              <a:gd name="connsiteX3" fmla="*/ 1296062 w 2592126"/>
+              <a:gd name="connsiteY3" fmla="*/ 2592000 h 2592000"/>
+              <a:gd name="connsiteX4" fmla="*/ 1163548 w 2592126"/>
+              <a:gd name="connsiteY4" fmla="*/ 2585309 h 2592000"/>
+              <a:gd name="connsiteX5" fmla="*/ 0 w 2592126"/>
+              <a:gd name="connsiteY5" fmla="*/ 1296000 h 2592000"/>
+              <a:gd name="connsiteX6" fmla="*/ 1296063 w 2592126"/>
+              <a:gd name="connsiteY6" fmla="*/ 0 h 2592000"/>
+              <a:gd name="connsiteX0" fmla="*/ 1296062 w 2592126"/>
+              <a:gd name="connsiteY0" fmla="*/ 1296000 h 2592000"/>
+              <a:gd name="connsiteX1" fmla="*/ 1296062 w 2592126"/>
+              <a:gd name="connsiteY1" fmla="*/ 2592000 h 2592000"/>
+              <a:gd name="connsiteX2" fmla="*/ 1163548 w 2592126"/>
+              <a:gd name="connsiteY2" fmla="*/ 2585309 h 2592000"/>
+              <a:gd name="connsiteX3" fmla="*/ 0 w 2592126"/>
+              <a:gd name="connsiteY3" fmla="*/ 1296000 h 2592000"/>
+              <a:gd name="connsiteX4" fmla="*/ 1296063 w 2592126"/>
+              <a:gd name="connsiteY4" fmla="*/ 0 h 2592000"/>
+              <a:gd name="connsiteX5" fmla="*/ 2592126 w 2592126"/>
+              <a:gd name="connsiteY5" fmla="*/ 1296000 h 2592000"/>
+              <a:gd name="connsiteX6" fmla="*/ 1387502 w 2592126"/>
+              <a:gd name="connsiteY6" fmla="*/ 1387440 h 2592000"/>
+              <a:gd name="connsiteX0" fmla="*/ 1296062 w 2592126"/>
+              <a:gd name="connsiteY0" fmla="*/ 1296000 h 2592000"/>
+              <a:gd name="connsiteX1" fmla="*/ 1288989 w 2592126"/>
+              <a:gd name="connsiteY1" fmla="*/ 1393566 h 2592000"/>
+              <a:gd name="connsiteX2" fmla="*/ 1296062 w 2592126"/>
+              <a:gd name="connsiteY2" fmla="*/ 2592000 h 2592000"/>
+              <a:gd name="connsiteX3" fmla="*/ 1163548 w 2592126"/>
+              <a:gd name="connsiteY3" fmla="*/ 2585309 h 2592000"/>
+              <a:gd name="connsiteX4" fmla="*/ 0 w 2592126"/>
+              <a:gd name="connsiteY4" fmla="*/ 1296000 h 2592000"/>
+              <a:gd name="connsiteX5" fmla="*/ 1296063 w 2592126"/>
+              <a:gd name="connsiteY5" fmla="*/ 0 h 2592000"/>
+              <a:gd name="connsiteX6" fmla="*/ 2592126 w 2592126"/>
+              <a:gd name="connsiteY6" fmla="*/ 1296000 h 2592000"/>
+              <a:gd name="connsiteX7" fmla="*/ 1387502 w 2592126"/>
+              <a:gd name="connsiteY7" fmla="*/ 1387440 h 2592000"/>
+              <a:gd name="connsiteX0" fmla="*/ 1296062 w 2592126"/>
+              <a:gd name="connsiteY0" fmla="*/ 1296000 h 2592000"/>
+              <a:gd name="connsiteX1" fmla="*/ 1288989 w 2592126"/>
+              <a:gd name="connsiteY1" fmla="*/ 1393566 h 2592000"/>
+              <a:gd name="connsiteX2" fmla="*/ 1296062 w 2592126"/>
+              <a:gd name="connsiteY2" fmla="*/ 2592000 h 2592000"/>
+              <a:gd name="connsiteX3" fmla="*/ 1163548 w 2592126"/>
+              <a:gd name="connsiteY3" fmla="*/ 2585309 h 2592000"/>
+              <a:gd name="connsiteX4" fmla="*/ 0 w 2592126"/>
+              <a:gd name="connsiteY4" fmla="*/ 1296000 h 2592000"/>
+              <a:gd name="connsiteX5" fmla="*/ 1296063 w 2592126"/>
+              <a:gd name="connsiteY5" fmla="*/ 0 h 2592000"/>
+              <a:gd name="connsiteX6" fmla="*/ 2592126 w 2592126"/>
+              <a:gd name="connsiteY6" fmla="*/ 1296000 h 2592000"/>
+              <a:gd name="connsiteX0" fmla="*/ 1288989 w 2592126"/>
+              <a:gd name="connsiteY0" fmla="*/ 1393566 h 2592000"/>
+              <a:gd name="connsiteX1" fmla="*/ 1296062 w 2592126"/>
+              <a:gd name="connsiteY1" fmla="*/ 2592000 h 2592000"/>
+              <a:gd name="connsiteX2" fmla="*/ 1163548 w 2592126"/>
+              <a:gd name="connsiteY2" fmla="*/ 2585309 h 2592000"/>
+              <a:gd name="connsiteX3" fmla="*/ 0 w 2592126"/>
+              <a:gd name="connsiteY3" fmla="*/ 1296000 h 2592000"/>
+              <a:gd name="connsiteX4" fmla="*/ 1296063 w 2592126"/>
+              <a:gd name="connsiteY4" fmla="*/ 0 h 2592000"/>
+              <a:gd name="connsiteX5" fmla="*/ 2592126 w 2592126"/>
+              <a:gd name="connsiteY5" fmla="*/ 1296000 h 2592000"/>
+              <a:gd name="connsiteX0" fmla="*/ 1296062 w 2592126"/>
+              <a:gd name="connsiteY0" fmla="*/ 2592000 h 2592000"/>
+              <a:gd name="connsiteX1" fmla="*/ 1163548 w 2592126"/>
+              <a:gd name="connsiteY1" fmla="*/ 2585309 h 2592000"/>
+              <a:gd name="connsiteX2" fmla="*/ 0 w 2592126"/>
+              <a:gd name="connsiteY2" fmla="*/ 1296000 h 2592000"/>
+              <a:gd name="connsiteX3" fmla="*/ 1296063 w 2592126"/>
+              <a:gd name="connsiteY3" fmla="*/ 0 h 2592000"/>
+              <a:gd name="connsiteX4" fmla="*/ 2592126 w 2592126"/>
+              <a:gd name="connsiteY4" fmla="*/ 1296000 h 2592000"/>
+              <a:gd name="connsiteX0" fmla="*/ 1296062 w 2592126"/>
+              <a:gd name="connsiteY0" fmla="*/ 2592000 h 2592000"/>
+              <a:gd name="connsiteX1" fmla="*/ 1163548 w 2592126"/>
+              <a:gd name="connsiteY1" fmla="*/ 2585309 h 2592000"/>
+              <a:gd name="connsiteX2" fmla="*/ 0 w 2592126"/>
+              <a:gd name="connsiteY2" fmla="*/ 1296000 h 2592000"/>
+              <a:gd name="connsiteX3" fmla="*/ 1296063 w 2592126"/>
+              <a:gd name="connsiteY3" fmla="*/ 0 h 2592000"/>
+              <a:gd name="connsiteX4" fmla="*/ 2592126 w 2592126"/>
+              <a:gd name="connsiteY4" fmla="*/ 1296000 h 2592000"/>
+              <a:gd name="connsiteX0" fmla="*/ 1296062 w 2592126"/>
+              <a:gd name="connsiteY0" fmla="*/ 2592000 h 2592000"/>
+              <a:gd name="connsiteX1" fmla="*/ 1163548 w 2592126"/>
+              <a:gd name="connsiteY1" fmla="*/ 2585309 h 2592000"/>
+              <a:gd name="connsiteX2" fmla="*/ 0 w 2592126"/>
+              <a:gd name="connsiteY2" fmla="*/ 1296000 h 2592000"/>
+              <a:gd name="connsiteX3" fmla="*/ 1296063 w 2592126"/>
+              <a:gd name="connsiteY3" fmla="*/ 0 h 2592000"/>
+              <a:gd name="connsiteX4" fmla="*/ 2592126 w 2592126"/>
+              <a:gd name="connsiteY4" fmla="*/ 1296000 h 2592000"/>
+              <a:gd name="connsiteX0" fmla="*/ 1163548 w 2592126"/>
+              <a:gd name="connsiteY0" fmla="*/ 2585309 h 2585309"/>
+              <a:gd name="connsiteX1" fmla="*/ 0 w 2592126"/>
+              <a:gd name="connsiteY1" fmla="*/ 1296000 h 2585309"/>
+              <a:gd name="connsiteX2" fmla="*/ 1296063 w 2592126"/>
+              <a:gd name="connsiteY2" fmla="*/ 0 h 2585309"/>
+              <a:gd name="connsiteX3" fmla="*/ 2592126 w 2592126"/>
+              <a:gd name="connsiteY3" fmla="*/ 1296000 h 2585309"/>
+              <a:gd name="connsiteX0" fmla="*/ 0 w 2592126"/>
+              <a:gd name="connsiteY0" fmla="*/ 1296000 h 1296000"/>
+              <a:gd name="connsiteX1" fmla="*/ 1296063 w 2592126"/>
+              <a:gd name="connsiteY1" fmla="*/ 0 h 1296000"/>
+              <a:gd name="connsiteX2" fmla="*/ 2592126 w 2592126"/>
+              <a:gd name="connsiteY2" fmla="*/ 1296000 h 1296000"/>
+              <a:gd name="connsiteX0" fmla="*/ 0 w 1296063"/>
+              <a:gd name="connsiteY0" fmla="*/ 0 h 1296000"/>
+              <a:gd name="connsiteX1" fmla="*/ 1296063 w 1296063"/>
+              <a:gd name="connsiteY1" fmla="*/ 1296000 h 1296000"/>
+              <a:gd name="connsiteX0" fmla="*/ 0 w 1305367"/>
+              <a:gd name="connsiteY0" fmla="*/ 1 h 1347699"/>
+              <a:gd name="connsiteX1" fmla="*/ 1305367 w 1305367"/>
+              <a:gd name="connsiteY1" fmla="*/ 1347699 h 1347699"/>
+              <a:gd name="connsiteX0" fmla="*/ 0 w 1362185"/>
+              <a:gd name="connsiteY0" fmla="*/ 1 h 1446195"/>
+              <a:gd name="connsiteX1" fmla="*/ 1362185 w 1362185"/>
+              <a:gd name="connsiteY1" fmla="*/ 1446196 h 1446195"/>
+            </a:gdLst>
+            <a:ahLst/>
+            <a:cxnLst>
+              <a:cxn ang="0">
+                <a:pos x="connsiteX0" y="connsiteY0"/>
+              </a:cxn>
+              <a:cxn ang="0">
+                <a:pos x="connsiteX1" y="connsiteY1"/>
+              </a:cxn>
+            </a:cxnLst>
+            <a:rect l="l" t="t" r="r" b="b"/>
+            <a:pathLst>
+              <a:path w="1362185" h="1446195">
+                <a:moveTo>
+                  <a:pt x="0" y="1"/>
+                </a:moveTo>
+                <a:cubicBezTo>
+                  <a:pt x="715796" y="1"/>
+                  <a:pt x="1362185" y="730435"/>
+                  <a:pt x="1362185" y="1446196"/>
+                </a:cubicBezTo>
+              </a:path>
+            </a:pathLst>
+          </a:custGeom>
+          <a:noFill/>
+          <a:ln w="127000">
+            <a:solidFill>
+              <a:schemeClr val="bg2"/>
+            </a:solidFill>
+          </a:ln>
+        </p:spPr>
+        <p:style>
+          <a:lnRef idx="2">
+            <a:schemeClr val="accent1">
+              <a:shade val="50000"/>
+            </a:schemeClr>
+          </a:lnRef>
+          <a:fillRef idx="1">
+            <a:schemeClr val="accent1"/>
+          </a:fillRef>
+          <a:effectRef idx="0">
+            <a:schemeClr val="accent1"/>
+          </a:effectRef>
+          <a:fontRef idx="minor">
+            <a:schemeClr val="lt1"/>
+          </a:fontRef>
+        </p:style>
+        <p:txBody>
+          <a:bodyPr wrap="square" rtlCol="0" anchor="ctr">
+            <a:noAutofit/>
+          </a:bodyPr>
+          <a:lstStyle/>
+          <a:p>
+            <a:pPr algn="ctr"/>
+            <a:endParaRPr lang="pt-BR" dirty="0">
+              <a:ln>
+                <a:solidFill>
+                  <a:schemeClr val="bg1">
+                    <a:lumMod val="85000"/>
+                  </a:schemeClr>
+                </a:solidFill>
+              </a:ln>
+            </a:endParaRPr>
+          </a:p>
+        </p:txBody>
+      </p:sp>
+      <p:sp>
+        <p:nvSpPr>
+          <p:cNvPr id="36" name="Forma Livre: Forma 35">
+            <a:extLst>
+              <a:ext uri="{FF2B5EF4-FFF2-40B4-BE49-F238E27FC236}">
+                <a16:creationId xmlns:a16="http://schemas.microsoft.com/office/drawing/2014/main" id="{6778C221-2ED0-4A44-B4FD-7A62CEF363C1}"/>
+              </a:ext>
+            </a:extLst>
+          </p:cNvPr>
+          <p:cNvSpPr/>
+          <p:nvPr/>
+        </p:nvSpPr>
+        <p:spPr>
+          <a:xfrm rot="3983079">
+            <a:off x="7603396" y="2817442"/>
+            <a:ext cx="1557411" cy="916930"/>
+          </a:xfrm>
+          <a:custGeom>
+            <a:avLst/>
+            <a:gdLst>
+              <a:gd name="connsiteX0" fmla="*/ 761516 w 1523032"/>
+              <a:gd name="connsiteY0" fmla="*/ 0 h 807417"/>
+              <a:gd name="connsiteX1" fmla="*/ 1523032 w 1523032"/>
+              <a:gd name="connsiteY1" fmla="*/ 729776 h 807417"/>
+              <a:gd name="connsiteX2" fmla="*/ 1515582 w 1523032"/>
+              <a:gd name="connsiteY2" fmla="*/ 800598 h 807417"/>
+              <a:gd name="connsiteX3" fmla="*/ 757138 w 1523032"/>
+              <a:gd name="connsiteY3" fmla="*/ 800598 h 807417"/>
+              <a:gd name="connsiteX4" fmla="*/ 757138 w 1523032"/>
+              <a:gd name="connsiteY4" fmla="*/ 807417 h 807417"/>
+              <a:gd name="connsiteX5" fmla="*/ 8168 w 1523032"/>
+              <a:gd name="connsiteY5" fmla="*/ 807417 h 807417"/>
+              <a:gd name="connsiteX6" fmla="*/ 0 w 1523032"/>
+              <a:gd name="connsiteY6" fmla="*/ 729776 h 807417"/>
+              <a:gd name="connsiteX7" fmla="*/ 761516 w 1523032"/>
+              <a:gd name="connsiteY7" fmla="*/ 0 h 807417"/>
+              <a:gd name="connsiteX0" fmla="*/ 757138 w 1523032"/>
+              <a:gd name="connsiteY0" fmla="*/ 807417 h 898857"/>
+              <a:gd name="connsiteX1" fmla="*/ 8168 w 1523032"/>
+              <a:gd name="connsiteY1" fmla="*/ 807417 h 898857"/>
+              <a:gd name="connsiteX2" fmla="*/ 0 w 1523032"/>
+              <a:gd name="connsiteY2" fmla="*/ 729776 h 898857"/>
+              <a:gd name="connsiteX3" fmla="*/ 761516 w 1523032"/>
+              <a:gd name="connsiteY3" fmla="*/ 0 h 898857"/>
+              <a:gd name="connsiteX4" fmla="*/ 1523032 w 1523032"/>
+              <a:gd name="connsiteY4" fmla="*/ 729776 h 898857"/>
+              <a:gd name="connsiteX5" fmla="*/ 1515582 w 1523032"/>
+              <a:gd name="connsiteY5" fmla="*/ 800598 h 898857"/>
+              <a:gd name="connsiteX6" fmla="*/ 757138 w 1523032"/>
+              <a:gd name="connsiteY6" fmla="*/ 800598 h 898857"/>
+              <a:gd name="connsiteX7" fmla="*/ 848578 w 1523032"/>
+              <a:gd name="connsiteY7" fmla="*/ 898857 h 898857"/>
+              <a:gd name="connsiteX0" fmla="*/ 757138 w 1523032"/>
+              <a:gd name="connsiteY0" fmla="*/ 807417 h 807417"/>
+              <a:gd name="connsiteX1" fmla="*/ 8168 w 1523032"/>
+              <a:gd name="connsiteY1" fmla="*/ 807417 h 807417"/>
+              <a:gd name="connsiteX2" fmla="*/ 0 w 1523032"/>
+              <a:gd name="connsiteY2" fmla="*/ 729776 h 807417"/>
+              <a:gd name="connsiteX3" fmla="*/ 761516 w 1523032"/>
+              <a:gd name="connsiteY3" fmla="*/ 0 h 807417"/>
+              <a:gd name="connsiteX4" fmla="*/ 1523032 w 1523032"/>
+              <a:gd name="connsiteY4" fmla="*/ 729776 h 807417"/>
+              <a:gd name="connsiteX5" fmla="*/ 1515582 w 1523032"/>
+              <a:gd name="connsiteY5" fmla="*/ 800598 h 807417"/>
+              <a:gd name="connsiteX6" fmla="*/ 757138 w 1523032"/>
+              <a:gd name="connsiteY6" fmla="*/ 800598 h 807417"/>
+              <a:gd name="connsiteX0" fmla="*/ 757138 w 1523032"/>
+              <a:gd name="connsiteY0" fmla="*/ 807417 h 807417"/>
+              <a:gd name="connsiteX1" fmla="*/ 8168 w 1523032"/>
+              <a:gd name="connsiteY1" fmla="*/ 807417 h 807417"/>
+              <a:gd name="connsiteX2" fmla="*/ 0 w 1523032"/>
+              <a:gd name="connsiteY2" fmla="*/ 729776 h 807417"/>
+              <a:gd name="connsiteX3" fmla="*/ 761516 w 1523032"/>
+              <a:gd name="connsiteY3" fmla="*/ 0 h 807417"/>
+              <a:gd name="connsiteX4" fmla="*/ 1523032 w 1523032"/>
+              <a:gd name="connsiteY4" fmla="*/ 729776 h 807417"/>
+              <a:gd name="connsiteX5" fmla="*/ 1515582 w 1523032"/>
+              <a:gd name="connsiteY5" fmla="*/ 800598 h 807417"/>
+              <a:gd name="connsiteX0" fmla="*/ 8168 w 1523032"/>
+              <a:gd name="connsiteY0" fmla="*/ 807417 h 807417"/>
+              <a:gd name="connsiteX1" fmla="*/ 0 w 1523032"/>
+              <a:gd name="connsiteY1" fmla="*/ 729776 h 807417"/>
+              <a:gd name="connsiteX2" fmla="*/ 761516 w 1523032"/>
+              <a:gd name="connsiteY2" fmla="*/ 0 h 807417"/>
+              <a:gd name="connsiteX3" fmla="*/ 1523032 w 1523032"/>
+              <a:gd name="connsiteY3" fmla="*/ 729776 h 807417"/>
+              <a:gd name="connsiteX4" fmla="*/ 1515582 w 1523032"/>
+              <a:gd name="connsiteY4" fmla="*/ 800598 h 807417"/>
+            </a:gdLst>
+            <a:ahLst/>
+            <a:cxnLst>
+              <a:cxn ang="0">
+                <a:pos x="connsiteX0" y="connsiteY0"/>
+              </a:cxn>
+              <a:cxn ang="0">
+                <a:pos x="connsiteX1" y="connsiteY1"/>
+              </a:cxn>
+              <a:cxn ang="0">
+                <a:pos x="connsiteX2" y="connsiteY2"/>
+              </a:cxn>
+              <a:cxn ang="0">
+                <a:pos x="connsiteX3" y="connsiteY3"/>
+              </a:cxn>
+              <a:cxn ang="0">
+                <a:pos x="connsiteX4" y="connsiteY4"/>
+              </a:cxn>
+            </a:cxnLst>
+            <a:rect l="l" t="t" r="r" b="b"/>
+            <a:pathLst>
+              <a:path w="1523032" h="807417">
+                <a:moveTo>
+                  <a:pt x="8168" y="807417"/>
+                </a:moveTo>
+                <a:lnTo>
+                  <a:pt x="0" y="729776"/>
+                </a:lnTo>
+                <a:cubicBezTo>
+                  <a:pt x="0" y="326732"/>
+                  <a:pt x="340942" y="0"/>
+                  <a:pt x="761516" y="0"/>
+                </a:cubicBezTo>
+                <a:cubicBezTo>
+                  <a:pt x="1182090" y="0"/>
+                  <a:pt x="1523032" y="326732"/>
+                  <a:pt x="1523032" y="729776"/>
+                </a:cubicBezTo>
+                <a:lnTo>
+                  <a:pt x="1515582" y="800598"/>
+                </a:lnTo>
+              </a:path>
+            </a:pathLst>
+          </a:custGeom>
+          <a:noFill/>
+          <a:ln>
+            <a:solidFill>
+              <a:schemeClr val="bg2"/>
+            </a:solidFill>
+          </a:ln>
+        </p:spPr>
+        <p:style>
+          <a:lnRef idx="2">
+            <a:schemeClr val="accent1">
+              <a:shade val="50000"/>
+            </a:schemeClr>
+          </a:lnRef>
+          <a:fillRef idx="1">
+            <a:schemeClr val="accent1"/>
+          </a:fillRef>
+          <a:effectRef idx="0">
+            <a:schemeClr val="accent1"/>
+          </a:effectRef>
+          <a:fontRef idx="minor">
+            <a:schemeClr val="lt1"/>
+          </a:fontRef>
+        </p:style>
+        <p:txBody>
+          <a:bodyPr wrap="square" rtlCol="0" anchor="ctr">
+            <a:noAutofit/>
+          </a:bodyPr>
+          <a:lstStyle/>
+          <a:p>
+            <a:pPr algn="ctr"/>
+            <a:endParaRPr lang="pt-BR" dirty="0"/>
+          </a:p>
+        </p:txBody>
+      </p:sp>
+      <p:sp>
+        <p:nvSpPr>
+          <p:cNvPr id="19" name="Subtítulo 3">
+            <a:extLst>
+              <a:ext uri="{FF2B5EF4-FFF2-40B4-BE49-F238E27FC236}">
+                <a16:creationId xmlns:a16="http://schemas.microsoft.com/office/drawing/2014/main" id="{88B2D7FC-978B-463E-AF32-B24DF9BA5212}"/>
+              </a:ext>
+            </a:extLst>
+          </p:cNvPr>
+          <p:cNvSpPr txBox="1">
+            <a:spLocks/>
+          </p:cNvSpPr>
+          <p:nvPr/>
+        </p:nvSpPr>
+        <p:spPr>
+          <a:xfrm>
+            <a:off x="7329247" y="2608766"/>
+            <a:ext cx="1444224" cy="2450552"/>
+          </a:xfrm>
+          <a:prstGeom prst="rect">
+            <a:avLst/>
+          </a:prstGeom>
+          <a:ln>
+            <a:noFill/>
+          </a:ln>
+        </p:spPr>
+        <p:txBody>
+          <a:bodyPr vert="horz" lIns="91440" tIns="45720" rIns="91440" bIns="45720" rtlCol="0">
+            <a:normAutofit/>
+            <a:scene3d>
+              <a:camera prst="orthographicFront"/>
+              <a:lightRig rig="threePt" dir="t"/>
+            </a:scene3d>
+            <a:sp3d>
+              <a:bevelT w="273050"/>
+            </a:sp3d>
+          </a:bodyPr>
+          <a:lstStyle>
+            <a:lvl1pPr marL="0" indent="0" algn="ctr" defTabSz="914400" rtl="0" eaLnBrk="1" latinLnBrk="0" hangingPunct="1">
+              <a:lnSpc>
+                <a:spcPct val="90000"/>
+              </a:lnSpc>
+              <a:spcBef>
+                <a:spcPts val="1000"/>
+              </a:spcBef>
+              <a:buFont typeface="Arial" panose="020B0604020202020204" pitchFamily="34" charset="0"/>
+              <a:buNone/>
+              <a:defRPr sz="2400" kern="1200">
+                <a:solidFill>
+                  <a:schemeClr val="tx1"/>
+                </a:solidFill>
+                <a:latin typeface="+mn-lt"/>
+                <a:ea typeface="+mn-ea"/>
+                <a:cs typeface="+mn-cs"/>
+              </a:defRPr>
+            </a:lvl1pPr>
+            <a:lvl2pPr marL="457200" indent="0" algn="ctr" defTabSz="914400" rtl="0" eaLnBrk="1" latinLnBrk="0" hangingPunct="1">
+              <a:lnSpc>
+                <a:spcPct val="90000"/>
+              </a:lnSpc>
+              <a:spcBef>
+                <a:spcPts val="500"/>
+              </a:spcBef>
+              <a:buFont typeface="Arial" panose="020B0604020202020204" pitchFamily="34" charset="0"/>
+              <a:buNone/>
+              <a:defRPr sz="2000" kern="1200">
+                <a:solidFill>
+                  <a:schemeClr val="tx1"/>
+                </a:solidFill>
+                <a:latin typeface="+mn-lt"/>
+                <a:ea typeface="+mn-ea"/>
+                <a:cs typeface="+mn-cs"/>
+              </a:defRPr>
+            </a:lvl2pPr>
+            <a:lvl3pPr marL="914400" indent="0" algn="ctr" defTabSz="914400" rtl="0" eaLnBrk="1" latinLnBrk="0" hangingPunct="1">
+              <a:lnSpc>
+                <a:spcPct val="90000"/>
+              </a:lnSpc>
+              <a:spcBef>
+                <a:spcPts val="500"/>
+              </a:spcBef>
+              <a:buFont typeface="Arial" panose="020B0604020202020204" pitchFamily="34" charset="0"/>
+              <a:buNone/>
+              <a:defRPr sz="1800" kern="1200">
+                <a:solidFill>
+                  <a:schemeClr val="tx1"/>
+                </a:solidFill>
+                <a:latin typeface="+mn-lt"/>
+                <a:ea typeface="+mn-ea"/>
+                <a:cs typeface="+mn-cs"/>
+              </a:defRPr>
+            </a:lvl3pPr>
+            <a:lvl4pPr marL="1371600" indent="0" algn="ctr" defTabSz="914400" rtl="0" eaLnBrk="1" latinLnBrk="0" hangingPunct="1">
+              <a:lnSpc>
+                <a:spcPct val="90000"/>
+              </a:lnSpc>
+              <a:spcBef>
+                <a:spcPts val="500"/>
+              </a:spcBef>
+              <a:buFont typeface="Arial" panose="020B0604020202020204" pitchFamily="34" charset="0"/>
+              <a:buNone/>
+              <a:defRPr sz="1600" kern="1200">
+                <a:solidFill>
+                  <a:schemeClr val="tx1"/>
+                </a:solidFill>
+                <a:latin typeface="+mn-lt"/>
+                <a:ea typeface="+mn-ea"/>
+                <a:cs typeface="+mn-cs"/>
+              </a:defRPr>
+            </a:lvl4pPr>
+            <a:lvl5pPr marL="1828800" indent="0" algn="ctr" defTabSz="914400" rtl="0" eaLnBrk="1" latinLnBrk="0" hangingPunct="1">
+              <a:lnSpc>
+                <a:spcPct val="90000"/>
+              </a:lnSpc>
+              <a:spcBef>
+                <a:spcPts val="500"/>
+              </a:spcBef>
+              <a:buFont typeface="Arial" panose="020B0604020202020204" pitchFamily="34" charset="0"/>
+              <a:buNone/>
+              <a:defRPr sz="1600" kern="1200">
+                <a:solidFill>
+                  <a:schemeClr val="tx1"/>
+                </a:solidFill>
+                <a:latin typeface="+mn-lt"/>
+                <a:ea typeface="+mn-ea"/>
+                <a:cs typeface="+mn-cs"/>
+              </a:defRPr>
+            </a:lvl5pPr>
+            <a:lvl6pPr marL="2286000" indent="0" algn="ctr" defTabSz="914400" rtl="0" eaLnBrk="1" latinLnBrk="0" hangingPunct="1">
+              <a:lnSpc>
+                <a:spcPct val="90000"/>
+              </a:lnSpc>
+              <a:spcBef>
+                <a:spcPts val="500"/>
+              </a:spcBef>
+              <a:buFont typeface="Arial" panose="020B0604020202020204" pitchFamily="34" charset="0"/>
+              <a:buNone/>
+              <a:defRPr sz="1600" kern="1200">
+                <a:solidFill>
+                  <a:schemeClr val="tx1"/>
+                </a:solidFill>
+                <a:latin typeface="+mn-lt"/>
+                <a:ea typeface="+mn-ea"/>
+                <a:cs typeface="+mn-cs"/>
+              </a:defRPr>
+            </a:lvl6pPr>
+            <a:lvl7pPr marL="2743200" indent="0" algn="ctr" defTabSz="914400" rtl="0" eaLnBrk="1" latinLnBrk="0" hangingPunct="1">
+              <a:lnSpc>
+                <a:spcPct val="90000"/>
+              </a:lnSpc>
+              <a:spcBef>
+                <a:spcPts val="500"/>
+              </a:spcBef>
+              <a:buFont typeface="Arial" panose="020B0604020202020204" pitchFamily="34" charset="0"/>
+              <a:buNone/>
+              <a:defRPr sz="1600" kern="1200">
+                <a:solidFill>
+                  <a:schemeClr val="tx1"/>
+                </a:solidFill>
+                <a:latin typeface="+mn-lt"/>
+                <a:ea typeface="+mn-ea"/>
+                <a:cs typeface="+mn-cs"/>
+              </a:defRPr>
+            </a:lvl7pPr>
+            <a:lvl8pPr marL="3200400" indent="0" algn="ctr" defTabSz="914400" rtl="0" eaLnBrk="1" latinLnBrk="0" hangingPunct="1">
+              <a:lnSpc>
+                <a:spcPct val="90000"/>
+              </a:lnSpc>
+              <a:spcBef>
+                <a:spcPts val="500"/>
+              </a:spcBef>
+              <a:buFont typeface="Arial" panose="020B0604020202020204" pitchFamily="34" charset="0"/>
+              <a:buNone/>
+              <a:defRPr sz="1600" kern="1200">
+                <a:solidFill>
+                  <a:schemeClr val="tx1"/>
+                </a:solidFill>
+                <a:latin typeface="+mn-lt"/>
+                <a:ea typeface="+mn-ea"/>
+                <a:cs typeface="+mn-cs"/>
+              </a:defRPr>
+            </a:lvl8pPr>
+            <a:lvl9pPr marL="3657600" indent="0" algn="ctr" defTabSz="914400" rtl="0" eaLnBrk="1" latinLnBrk="0" hangingPunct="1">
+              <a:lnSpc>
+                <a:spcPct val="90000"/>
+              </a:lnSpc>
+              <a:spcBef>
+                <a:spcPts val="500"/>
+              </a:spcBef>
+              <a:buFont typeface="Arial" panose="020B0604020202020204" pitchFamily="34" charset="0"/>
+              <a:buNone/>
+              <a:defRPr sz="1600" kern="1200">
+                <a:solidFill>
+                  <a:schemeClr val="tx1"/>
+                </a:solidFill>
+                <a:latin typeface="+mn-lt"/>
+                <a:ea typeface="+mn-ea"/>
+                <a:cs typeface="+mn-cs"/>
+              </a:defRPr>
+            </a:lvl9pPr>
+          </a:lstStyle>
+          <a:p>
+            <a:endParaRPr lang="pt-BR" dirty="0"/>
+          </a:p>
+          <a:p>
+            <a:r>
+              <a:rPr lang="pt-BR" sz="6500" dirty="0">
+                <a:solidFill>
+                  <a:srgbClr val="2A689C"/>
+                </a:solidFill>
+                <a:effectLst>
+                  <a:outerShdw blurRad="38100" dist="38100" dir="2700000" algn="tl">
+                    <a:srgbClr val="000000">
+                      <a:alpha val="43137"/>
+                    </a:srgbClr>
+                  </a:outerShdw>
+                </a:effectLst>
+                <a:latin typeface="Loew Heavy" panose="00000A00000000000000" pitchFamily="50" charset="0"/>
+              </a:rPr>
+              <a:t>X</a:t>
+            </a:r>
+          </a:p>
+        </p:txBody>
+      </p:sp>
+      <p:sp>
+        <p:nvSpPr>
+          <p:cNvPr id="22" name="Elipse 21">
+            <a:extLst>
+              <a:ext uri="{FF2B5EF4-FFF2-40B4-BE49-F238E27FC236}">
+                <a16:creationId xmlns:a16="http://schemas.microsoft.com/office/drawing/2014/main" id="{04A70A5F-5321-4AFC-AECE-6AC68FB0F8F0}"/>
+              </a:ext>
+            </a:extLst>
+          </p:cNvPr>
+          <p:cNvSpPr/>
+          <p:nvPr/>
+        </p:nvSpPr>
+        <p:spPr>
+          <a:xfrm>
+            <a:off x="7021964" y="2266331"/>
+            <a:ext cx="2340978" cy="2408635"/>
+          </a:xfrm>
+          <a:prstGeom prst="ellipse">
+            <a:avLst/>
+          </a:prstGeom>
+          <a:noFill/>
+          <a:ln>
+            <a:solidFill>
+              <a:schemeClr val="bg2"/>
+            </a:solidFill>
+          </a:ln>
+        </p:spPr>
+        <p:style>
+          <a:lnRef idx="2">
+            <a:schemeClr val="accent1">
+              <a:shade val="50000"/>
+            </a:schemeClr>
+          </a:lnRef>
+          <a:fillRef idx="1">
+            <a:schemeClr val="accent1"/>
+          </a:fillRef>
+          <a:effectRef idx="0">
+            <a:schemeClr val="accent1"/>
+          </a:effectRef>
+          <a:fontRef idx="minor">
+            <a:schemeClr val="lt1"/>
+          </a:fontRef>
+        </p:style>
+        <p:txBody>
+          <a:bodyPr rtlCol="0" anchor="ctr"/>
+          <a:lstStyle/>
+          <a:p>
+            <a:pPr algn="ctr"/>
+            <a:endParaRPr lang="pt-BR"/>
+          </a:p>
+        </p:txBody>
+      </p:sp>
+      <p:sp>
+        <p:nvSpPr>
+          <p:cNvPr id="31" name="Elipse 30">
+            <a:extLst>
+              <a:ext uri="{FF2B5EF4-FFF2-40B4-BE49-F238E27FC236}">
+                <a16:creationId xmlns:a16="http://schemas.microsoft.com/office/drawing/2014/main" id="{A8C2655D-792C-483E-A843-C89E7CE5AAB1}"/>
+              </a:ext>
+            </a:extLst>
+          </p:cNvPr>
+          <p:cNvSpPr/>
+          <p:nvPr/>
+        </p:nvSpPr>
+        <p:spPr>
+          <a:xfrm rot="16200000">
+            <a:off x="7021964" y="2403050"/>
+            <a:ext cx="2085375" cy="2085374"/>
+          </a:xfrm>
+          <a:prstGeom prst="ellipse">
+            <a:avLst/>
+          </a:prstGeom>
+          <a:noFill/>
+          <a:ln>
+            <a:solidFill>
+              <a:schemeClr val="bg2"/>
+            </a:solidFill>
+          </a:ln>
+        </p:spPr>
+        <p:style>
+          <a:lnRef idx="2">
+            <a:schemeClr val="accent1">
+              <a:shade val="50000"/>
+            </a:schemeClr>
+          </a:lnRef>
+          <a:fillRef idx="1">
+            <a:schemeClr val="accent1"/>
+          </a:fillRef>
+          <a:effectRef idx="0">
+            <a:schemeClr val="accent1"/>
+          </a:effectRef>
+          <a:fontRef idx="minor">
+            <a:schemeClr val="lt1"/>
+          </a:fontRef>
+        </p:style>
+        <p:txBody>
+          <a:bodyPr rtlCol="0" anchor="ctr"/>
+          <a:lstStyle/>
+          <a:p>
+            <a:pPr algn="ctr"/>
+            <a:endParaRPr lang="pt-BR"/>
+          </a:p>
+        </p:txBody>
+      </p:sp>
+      <p:sp>
+        <p:nvSpPr>
+          <p:cNvPr id="43" name="Forma Livre: Forma 42">
+            <a:extLst>
+              <a:ext uri="{FF2B5EF4-FFF2-40B4-BE49-F238E27FC236}">
+                <a16:creationId xmlns:a16="http://schemas.microsoft.com/office/drawing/2014/main" id="{28E468CD-BA4F-45A3-B47A-8ACAA1B9C530}"/>
+              </a:ext>
+            </a:extLst>
+          </p:cNvPr>
+          <p:cNvSpPr/>
+          <p:nvPr/>
+        </p:nvSpPr>
+        <p:spPr>
+          <a:xfrm rot="8581195" flipH="1" flipV="1">
+            <a:off x="7765555" y="2708120"/>
+            <a:ext cx="713602" cy="622548"/>
+          </a:xfrm>
+          <a:custGeom>
+            <a:avLst/>
+            <a:gdLst>
+              <a:gd name="connsiteX0" fmla="*/ 1296063 w 2592126"/>
+              <a:gd name="connsiteY0" fmla="*/ 0 h 2592000"/>
+              <a:gd name="connsiteX1" fmla="*/ 2592126 w 2592126"/>
+              <a:gd name="connsiteY1" fmla="*/ 1296000 h 2592000"/>
+              <a:gd name="connsiteX2" fmla="*/ 1296062 w 2592126"/>
+              <a:gd name="connsiteY2" fmla="*/ 1296000 h 2592000"/>
+              <a:gd name="connsiteX3" fmla="*/ 1296062 w 2592126"/>
+              <a:gd name="connsiteY3" fmla="*/ 2592000 h 2592000"/>
+              <a:gd name="connsiteX4" fmla="*/ 1163548 w 2592126"/>
+              <a:gd name="connsiteY4" fmla="*/ 2585309 h 2592000"/>
+              <a:gd name="connsiteX5" fmla="*/ 0 w 2592126"/>
+              <a:gd name="connsiteY5" fmla="*/ 1296000 h 2592000"/>
+              <a:gd name="connsiteX6" fmla="*/ 1296063 w 2592126"/>
+              <a:gd name="connsiteY6" fmla="*/ 0 h 2592000"/>
+              <a:gd name="connsiteX0" fmla="*/ 1296062 w 2592126"/>
+              <a:gd name="connsiteY0" fmla="*/ 1296000 h 2592000"/>
+              <a:gd name="connsiteX1" fmla="*/ 1296062 w 2592126"/>
+              <a:gd name="connsiteY1" fmla="*/ 2592000 h 2592000"/>
+              <a:gd name="connsiteX2" fmla="*/ 1163548 w 2592126"/>
+              <a:gd name="connsiteY2" fmla="*/ 2585309 h 2592000"/>
+              <a:gd name="connsiteX3" fmla="*/ 0 w 2592126"/>
+              <a:gd name="connsiteY3" fmla="*/ 1296000 h 2592000"/>
+              <a:gd name="connsiteX4" fmla="*/ 1296063 w 2592126"/>
+              <a:gd name="connsiteY4" fmla="*/ 0 h 2592000"/>
+              <a:gd name="connsiteX5" fmla="*/ 2592126 w 2592126"/>
+              <a:gd name="connsiteY5" fmla="*/ 1296000 h 2592000"/>
+              <a:gd name="connsiteX6" fmla="*/ 1387502 w 2592126"/>
+              <a:gd name="connsiteY6" fmla="*/ 1387440 h 2592000"/>
+              <a:gd name="connsiteX0" fmla="*/ 1296062 w 2592126"/>
+              <a:gd name="connsiteY0" fmla="*/ 1296000 h 2592000"/>
+              <a:gd name="connsiteX1" fmla="*/ 1288989 w 2592126"/>
+              <a:gd name="connsiteY1" fmla="*/ 1393566 h 2592000"/>
+              <a:gd name="connsiteX2" fmla="*/ 1296062 w 2592126"/>
+              <a:gd name="connsiteY2" fmla="*/ 2592000 h 2592000"/>
+              <a:gd name="connsiteX3" fmla="*/ 1163548 w 2592126"/>
+              <a:gd name="connsiteY3" fmla="*/ 2585309 h 2592000"/>
+              <a:gd name="connsiteX4" fmla="*/ 0 w 2592126"/>
+              <a:gd name="connsiteY4" fmla="*/ 1296000 h 2592000"/>
+              <a:gd name="connsiteX5" fmla="*/ 1296063 w 2592126"/>
+              <a:gd name="connsiteY5" fmla="*/ 0 h 2592000"/>
+              <a:gd name="connsiteX6" fmla="*/ 2592126 w 2592126"/>
+              <a:gd name="connsiteY6" fmla="*/ 1296000 h 2592000"/>
+              <a:gd name="connsiteX7" fmla="*/ 1387502 w 2592126"/>
+              <a:gd name="connsiteY7" fmla="*/ 1387440 h 2592000"/>
+              <a:gd name="connsiteX0" fmla="*/ 1296062 w 2592126"/>
+              <a:gd name="connsiteY0" fmla="*/ 1296000 h 2592000"/>
+              <a:gd name="connsiteX1" fmla="*/ 1288989 w 2592126"/>
+              <a:gd name="connsiteY1" fmla="*/ 1393566 h 2592000"/>
+              <a:gd name="connsiteX2" fmla="*/ 1296062 w 2592126"/>
+              <a:gd name="connsiteY2" fmla="*/ 2592000 h 2592000"/>
+              <a:gd name="connsiteX3" fmla="*/ 1163548 w 2592126"/>
+              <a:gd name="connsiteY3" fmla="*/ 2585309 h 2592000"/>
+              <a:gd name="connsiteX4" fmla="*/ 0 w 2592126"/>
+              <a:gd name="connsiteY4" fmla="*/ 1296000 h 2592000"/>
+              <a:gd name="connsiteX5" fmla="*/ 1296063 w 2592126"/>
+              <a:gd name="connsiteY5" fmla="*/ 0 h 2592000"/>
+              <a:gd name="connsiteX6" fmla="*/ 2592126 w 2592126"/>
+              <a:gd name="connsiteY6" fmla="*/ 1296000 h 2592000"/>
+              <a:gd name="connsiteX0" fmla="*/ 1288989 w 2592126"/>
+              <a:gd name="connsiteY0" fmla="*/ 1393566 h 2592000"/>
+              <a:gd name="connsiteX1" fmla="*/ 1296062 w 2592126"/>
+              <a:gd name="connsiteY1" fmla="*/ 2592000 h 2592000"/>
+              <a:gd name="connsiteX2" fmla="*/ 1163548 w 2592126"/>
+              <a:gd name="connsiteY2" fmla="*/ 2585309 h 2592000"/>
+              <a:gd name="connsiteX3" fmla="*/ 0 w 2592126"/>
+              <a:gd name="connsiteY3" fmla="*/ 1296000 h 2592000"/>
+              <a:gd name="connsiteX4" fmla="*/ 1296063 w 2592126"/>
+              <a:gd name="connsiteY4" fmla="*/ 0 h 2592000"/>
+              <a:gd name="connsiteX5" fmla="*/ 2592126 w 2592126"/>
+              <a:gd name="connsiteY5" fmla="*/ 1296000 h 2592000"/>
+              <a:gd name="connsiteX0" fmla="*/ 1296062 w 2592126"/>
+              <a:gd name="connsiteY0" fmla="*/ 2592000 h 2592000"/>
+              <a:gd name="connsiteX1" fmla="*/ 1163548 w 2592126"/>
+              <a:gd name="connsiteY1" fmla="*/ 2585309 h 2592000"/>
+              <a:gd name="connsiteX2" fmla="*/ 0 w 2592126"/>
+              <a:gd name="connsiteY2" fmla="*/ 1296000 h 2592000"/>
+              <a:gd name="connsiteX3" fmla="*/ 1296063 w 2592126"/>
+              <a:gd name="connsiteY3" fmla="*/ 0 h 2592000"/>
+              <a:gd name="connsiteX4" fmla="*/ 2592126 w 2592126"/>
+              <a:gd name="connsiteY4" fmla="*/ 1296000 h 2592000"/>
+              <a:gd name="connsiteX0" fmla="*/ 1296062 w 2592126"/>
+              <a:gd name="connsiteY0" fmla="*/ 2592000 h 2592000"/>
+              <a:gd name="connsiteX1" fmla="*/ 1163548 w 2592126"/>
+              <a:gd name="connsiteY1" fmla="*/ 2585309 h 2592000"/>
+              <a:gd name="connsiteX2" fmla="*/ 0 w 2592126"/>
+              <a:gd name="connsiteY2" fmla="*/ 1296000 h 2592000"/>
+              <a:gd name="connsiteX3" fmla="*/ 1296063 w 2592126"/>
+              <a:gd name="connsiteY3" fmla="*/ 0 h 2592000"/>
+              <a:gd name="connsiteX4" fmla="*/ 2592126 w 2592126"/>
+              <a:gd name="connsiteY4" fmla="*/ 1296000 h 2592000"/>
+              <a:gd name="connsiteX0" fmla="*/ 1296062 w 2592126"/>
+              <a:gd name="connsiteY0" fmla="*/ 2592000 h 2592000"/>
+              <a:gd name="connsiteX1" fmla="*/ 1163548 w 2592126"/>
+              <a:gd name="connsiteY1" fmla="*/ 2585309 h 2592000"/>
+              <a:gd name="connsiteX2" fmla="*/ 0 w 2592126"/>
+              <a:gd name="connsiteY2" fmla="*/ 1296000 h 2592000"/>
+              <a:gd name="connsiteX3" fmla="*/ 1296063 w 2592126"/>
+              <a:gd name="connsiteY3" fmla="*/ 0 h 2592000"/>
+              <a:gd name="connsiteX4" fmla="*/ 2592126 w 2592126"/>
+              <a:gd name="connsiteY4" fmla="*/ 1296000 h 2592000"/>
+              <a:gd name="connsiteX0" fmla="*/ 1163548 w 2592126"/>
+              <a:gd name="connsiteY0" fmla="*/ 2585309 h 2585309"/>
+              <a:gd name="connsiteX1" fmla="*/ 0 w 2592126"/>
+              <a:gd name="connsiteY1" fmla="*/ 1296000 h 2585309"/>
+              <a:gd name="connsiteX2" fmla="*/ 1296063 w 2592126"/>
+              <a:gd name="connsiteY2" fmla="*/ 0 h 2585309"/>
+              <a:gd name="connsiteX3" fmla="*/ 2592126 w 2592126"/>
+              <a:gd name="connsiteY3" fmla="*/ 1296000 h 2585309"/>
+              <a:gd name="connsiteX0" fmla="*/ 0 w 2592126"/>
+              <a:gd name="connsiteY0" fmla="*/ 1296000 h 1296000"/>
+              <a:gd name="connsiteX1" fmla="*/ 1296063 w 2592126"/>
+              <a:gd name="connsiteY1" fmla="*/ 0 h 1296000"/>
+              <a:gd name="connsiteX2" fmla="*/ 2592126 w 2592126"/>
+              <a:gd name="connsiteY2" fmla="*/ 1296000 h 1296000"/>
+              <a:gd name="connsiteX0" fmla="*/ 0 w 1296063"/>
+              <a:gd name="connsiteY0" fmla="*/ 0 h 1296000"/>
+              <a:gd name="connsiteX1" fmla="*/ 1296063 w 1296063"/>
+              <a:gd name="connsiteY1" fmla="*/ 1296000 h 1296000"/>
+              <a:gd name="connsiteX0" fmla="*/ 0 w 1305367"/>
+              <a:gd name="connsiteY0" fmla="*/ 1 h 1347699"/>
+              <a:gd name="connsiteX1" fmla="*/ 1305367 w 1305367"/>
+              <a:gd name="connsiteY1" fmla="*/ 1347699 h 1347699"/>
+              <a:gd name="connsiteX0" fmla="*/ 0 w 1362185"/>
+              <a:gd name="connsiteY0" fmla="*/ 1 h 1446195"/>
+              <a:gd name="connsiteX1" fmla="*/ 1362185 w 1362185"/>
+              <a:gd name="connsiteY1" fmla="*/ 1446196 h 1446195"/>
+            </a:gdLst>
+            <a:ahLst/>
+            <a:cxnLst>
+              <a:cxn ang="0">
+                <a:pos x="connsiteX0" y="connsiteY0"/>
+              </a:cxn>
+              <a:cxn ang="0">
+                <a:pos x="connsiteX1" y="connsiteY1"/>
+              </a:cxn>
+            </a:cxnLst>
+            <a:rect l="l" t="t" r="r" b="b"/>
+            <a:pathLst>
+              <a:path w="1362185" h="1446195">
+                <a:moveTo>
+                  <a:pt x="0" y="1"/>
+                </a:moveTo>
+                <a:cubicBezTo>
+                  <a:pt x="715796" y="1"/>
+                  <a:pt x="1362185" y="730435"/>
+                  <a:pt x="1362185" y="1446196"/>
+                </a:cubicBezTo>
+              </a:path>
+            </a:pathLst>
+          </a:custGeom>
+          <a:noFill/>
+          <a:ln w="127000">
+            <a:solidFill>
+              <a:schemeClr val="bg2"/>
+            </a:solidFill>
+          </a:ln>
+        </p:spPr>
+        <p:style>
+          <a:lnRef idx="2">
+            <a:schemeClr val="accent1">
+              <a:shade val="50000"/>
+            </a:schemeClr>
+          </a:lnRef>
+          <a:fillRef idx="1">
+            <a:schemeClr val="accent1"/>
+          </a:fillRef>
+          <a:effectRef idx="0">
+            <a:schemeClr val="accent1"/>
+          </a:effectRef>
+          <a:fontRef idx="minor">
+            <a:schemeClr val="lt1"/>
+          </a:fontRef>
+        </p:style>
+        <p:txBody>
+          <a:bodyPr wrap="square" rtlCol="0" anchor="ctr">
+            <a:noAutofit/>
+          </a:bodyPr>
+          <a:lstStyle/>
+          <a:p>
+            <a:pPr algn="ctr"/>
+            <a:endParaRPr lang="pt-BR" dirty="0">
+              <a:ln>
+                <a:solidFill>
+                  <a:schemeClr val="bg1">
+                    <a:lumMod val="85000"/>
+                  </a:schemeClr>
+                </a:solidFill>
+              </a:ln>
+            </a:endParaRPr>
+          </a:p>
+        </p:txBody>
+      </p:sp>
+      <p:sp>
+        <p:nvSpPr>
+          <p:cNvPr id="45" name="Retângulo 44">
+            <a:extLst>
+              <a:ext uri="{FF2B5EF4-FFF2-40B4-BE49-F238E27FC236}">
+                <a16:creationId xmlns:a16="http://schemas.microsoft.com/office/drawing/2014/main" id="{837FA6E2-9F25-48E6-8A35-988198A4D360}"/>
+              </a:ext>
+            </a:extLst>
+          </p:cNvPr>
+          <p:cNvSpPr/>
+          <p:nvPr/>
+        </p:nvSpPr>
+        <p:spPr>
+          <a:xfrm>
+            <a:off x="2062442" y="3749273"/>
+            <a:ext cx="4480074" cy="461665"/>
+          </a:xfrm>
+          <a:prstGeom prst="rect">
+            <a:avLst/>
+          </a:prstGeom>
+          <a:noFill/>
+        </p:spPr>
+        <p:txBody>
+          <a:bodyPr wrap="none" lIns="91440" tIns="45720" rIns="91440" bIns="45720">
+            <a:spAutoFit/>
+          </a:bodyPr>
+          <a:lstStyle/>
+          <a:p>
+            <a:pPr algn="ctr"/>
+            <a:r>
+              <a:rPr lang="pt-BR" sz="2400" b="0" cap="none" spc="0" dirty="0">
+                <a:ln w="0">
+                  <a:solidFill>
+                    <a:schemeClr val="bg1">
+                      <a:lumMod val="65000"/>
+                    </a:schemeClr>
+                  </a:solidFill>
+                </a:ln>
+                <a:solidFill>
+                  <a:schemeClr val="bg1">
+                    <a:lumMod val="50000"/>
+                  </a:schemeClr>
+                </a:solidFill>
+                <a:effectLst>
+                  <a:outerShdw blurRad="38100" dist="25400" dir="5400000" algn="ctr" rotWithShape="0">
+                    <a:srgbClr val="6E747A">
+                      <a:alpha val="43000"/>
+                    </a:srgbClr>
+                  </a:outerShdw>
+                </a:effectLst>
+                <a:latin typeface="Loew Heavy" panose="00000A00000000000000" pitchFamily="50" charset="0"/>
+              </a:rPr>
+              <a:t>Sistema de Gestão Contábil</a:t>
+            </a:r>
+          </a:p>
+        </p:txBody>
+      </p:sp>
+    </p:spTree>
+    <p:extLst>
+      <p:ext uri="{BB962C8B-B14F-4D97-AF65-F5344CB8AC3E}">
+        <p14:creationId xmlns:p14="http://schemas.microsoft.com/office/powerpoint/2010/main" val="3054932138"/>
+      </p:ext>
+    </p:extLst>
+  </p:cSld>
+  <p:clrMapOvr>
+    <a:masterClrMapping/>
+  </p:clrMapOvr>
+  <p:timing>
+    <p:tnLst>
+      <p:par>
+        <p:cTn id="1" dur="indefinite" restart="never" nodeType="tmRoot">
+          <p:childTnLst>
+            <p:seq concurrent="1" nextAc="seek">
+              <p:cTn id="2" dur="indefinite" nodeType="mainSeq">
+                <p:childTnLst>
+                  <p:par>
+                    <p:cTn id="3" fill="hold">
+                      <p:stCondLst>
+                        <p:cond delay="indefinite"/>
+                        <p:cond evt="onBegin" delay="0">
+                          <p:tn val="2"/>
+                        </p:cond>
+                      </p:stCondLst>
+                      <p:childTnLst>
+                        <p:par>
+                          <p:cTn id="4" fill="hold">
+                            <p:stCondLst>
+                              <p:cond delay="0"/>
+                            </p:stCondLst>
+                            <p:childTnLst>
+                              <p:par>
+                                <p:cTn id="5" presetID="45" presetClass="entr" presetSubtype="0" fill="hold" grpId="0" nodeType="withEffect">
+                                  <p:stCondLst>
+                                    <p:cond delay="0"/>
+                                  </p:stCondLst>
+                                  <p:childTnLst>
+                                    <p:set>
+                                      <p:cBhvr>
+                                        <p:cTn id="6" dur="1" fill="hold">
+                                          <p:stCondLst>
+                                            <p:cond delay="0"/>
+                                          </p:stCondLst>
+                                        </p:cTn>
+                                        <p:tgtEl>
+                                          <p:spTgt spid="19"/>
+                                        </p:tgtEl>
+                                        <p:attrNameLst>
+                                          <p:attrName>style.visibility</p:attrName>
+                                        </p:attrNameLst>
+                                      </p:cBhvr>
+                                      <p:to>
+                                        <p:strVal val="visible"/>
+                                      </p:to>
+                                    </p:set>
+                                    <p:animEffect transition="in" filter="fade">
+                                      <p:cBhvr>
+                                        <p:cTn id="7" dur="2500"/>
+                                        <p:tgtEl>
+                                          <p:spTgt spid="19"/>
+                                        </p:tgtEl>
+                                      </p:cBhvr>
+                                    </p:animEffect>
+                                    <p:anim calcmode="lin" valueType="num">
+                                      <p:cBhvr>
+                                        <p:cTn id="8" dur="2500" fill="hold"/>
+                                        <p:tgtEl>
+                                          <p:spTgt spid="19"/>
+                                        </p:tgtEl>
+                                        <p:attrNameLst>
+                                          <p:attrName>ppt_w</p:attrName>
+                                        </p:attrNameLst>
+                                      </p:cBhvr>
+                                      <p:tavLst>
+                                        <p:tav tm="0" fmla="#ppt_w*sin(2.5*pi*$)">
+                                          <p:val>
+                                            <p:fltVal val="0"/>
+                                          </p:val>
+                                        </p:tav>
+                                        <p:tav tm="100000">
+                                          <p:val>
+                                            <p:fltVal val="1"/>
+                                          </p:val>
+                                        </p:tav>
+                                      </p:tavLst>
+                                    </p:anim>
+                                    <p:anim calcmode="lin" valueType="num">
+                                      <p:cBhvr>
+                                        <p:cTn id="9" dur="2500" fill="hold"/>
+                                        <p:tgtEl>
+                                          <p:spTgt spid="19"/>
+                                        </p:tgtEl>
+                                        <p:attrNameLst>
+                                          <p:attrName>ppt_h</p:attrName>
+                                        </p:attrNameLst>
+                                      </p:cBhvr>
+                                      <p:tavLst>
+                                        <p:tav tm="0">
+                                          <p:val>
+                                            <p:strVal val="#ppt_h"/>
+                                          </p:val>
+                                        </p:tav>
+                                        <p:tav tm="100000">
+                                          <p:val>
+                                            <p:strVal val="#ppt_h"/>
+                                          </p:val>
+                                        </p:tav>
+                                      </p:tavLst>
+                                    </p:anim>
+                                  </p:childTnLst>
+                                </p:cTn>
+                              </p:par>
+                            </p:childTnLst>
+                          </p:cTn>
+                        </p:par>
+                      </p:childTnLst>
+                    </p:cTn>
+                  </p:par>
+                </p:childTnLst>
+              </p:cTn>
+              <p:prevCondLst>
+                <p:cond evt="onPrev" delay="0">
+                  <p:tgtEl>
+                    <p:sldTgt/>
+                  </p:tgtEl>
+                </p:cond>
+              </p:prevCondLst>
+              <p:nextCondLst>
+                <p:cond evt="onNext" delay="0">
+                  <p:tgtEl>
+                    <p:sldTgt/>
+                  </p:tgtEl>
+                </p:cond>
+              </p:nextCondLst>
+            </p:seq>
+          </p:childTnLst>
+        </p:cTn>
+      </p:par>
+    </p:tnLst>
+    <p:bldLst>
+      <p:bldP spid="19" grpId="0"/>
+    </p:bldLst>
+  </p:timing>
+</p:sld>
+</file>
+
+<file path=ppt/slides/slide2.xml><?xml version="1.0" encoding="utf-8"?>
+<p:sld xmlns:a="http://schemas.openxmlformats.org/drawingml/2006/main" xmlns:r="http://schemas.openxmlformats.org/officeDocument/2006/relationships" xmlns:p="http://schemas.openxmlformats.org/presentationml/2006/main">
+  <p:cSld>
+    <p:spTree>
+      <p:nvGrpSpPr>
+        <p:cNvPr id="1" name=""/>
+        <p:cNvGrpSpPr/>
+        <p:nvPr/>
+      </p:nvGrpSpPr>
+      <p:grpSpPr>
+        <a:xfrm>
+          <a:off x="0" y="0"/>
+          <a:ext cx="0" cy="0"/>
+          <a:chOff x="0" y="0"/>
+          <a:chExt cx="0" cy="0"/>
+        </a:xfrm>
+      </p:grpSpPr>
+      <p:sp>
+        <p:nvSpPr>
+          <p:cNvPr id="5" name="Título 1">
+            <a:extLst>
+              <a:ext uri="{FF2B5EF4-FFF2-40B4-BE49-F238E27FC236}">
+                <a16:creationId xmlns:a16="http://schemas.microsoft.com/office/drawing/2014/main" id="{79DA3F93-BFDE-4330-B3DB-EE352964F8B1}"/>
+              </a:ext>
+            </a:extLst>
+          </p:cNvPr>
+          <p:cNvSpPr txBox="1">
+            <a:spLocks/>
+          </p:cNvSpPr>
+          <p:nvPr/>
+        </p:nvSpPr>
+        <p:spPr>
+          <a:xfrm>
+            <a:off x="1778000" y="869069"/>
             <a:ext cx="5745018" cy="960727"/>
           </a:xfrm>
+          <a:prstGeom prst="rect">
+            <a:avLst/>
+          </a:prstGeom>
         </p:spPr>
         <p:txBody>
-          <a:bodyPr/>
-          <a:lstStyle/>
-          <a:p>
-            <a:r>
-              <a:rPr lang="pt-BR" spc="-150" dirty="0">
+          <a:bodyPr vert="horz" lIns="91440" tIns="45720" rIns="91440" bIns="45720" rtlCol="0" anchor="ctr">
+            <a:normAutofit/>
+          </a:bodyPr>
+          <a:lstStyle>
+            <a:lvl1pPr algn="l" defTabSz="914400" rtl="0" eaLnBrk="1" latinLnBrk="0" hangingPunct="1">
+              <a:lnSpc>
+                <a:spcPct val="90000"/>
+              </a:lnSpc>
+              <a:spcBef>
+                <a:spcPct val="0"/>
+              </a:spcBef>
+              <a:buNone/>
+              <a:defRPr sz="4400" kern="1200">
+                <a:solidFill>
+                  <a:schemeClr val="tx1"/>
+                </a:solidFill>
+                <a:latin typeface="+mj-lt"/>
+                <a:ea typeface="+mj-ea"/>
+                <a:cs typeface="+mj-cs"/>
+              </a:defRPr>
+            </a:lvl1pPr>
+          </a:lstStyle>
+          <a:p>
+            <a:r>
+              <a:rPr lang="pt-BR" spc="-150">
                 <a:latin typeface="Loew Heavy" panose="00000A00000000000000" pitchFamily="50" charset="0"/>
               </a:rPr>
               <a:t>COSMOS</a:t>
             </a:r>
             <a:r>
-              <a:rPr lang="pt-BR" dirty="0">
+              <a:rPr lang="pt-BR">
                 <a:solidFill>
                   <a:srgbClr val="2A689C"/>
                 </a:solidFill>
@@ -3367,1294 +4809,19 @@
               </a:rPr>
               <a:t>ERP</a:t>
             </a:r>
-          </a:p>
-        </p:txBody>
-      </p:sp>
-      <p:sp>
-        <p:nvSpPr>
-          <p:cNvPr id="4" name="Subtítulo 3">
-            <a:extLst>
-              <a:ext uri="{FF2B5EF4-FFF2-40B4-BE49-F238E27FC236}">
-                <a16:creationId xmlns:a16="http://schemas.microsoft.com/office/drawing/2014/main" id="{7DB90064-A6B0-4E74-8B56-CA9F9D788881}"/>
-              </a:ext>
-            </a:extLst>
-          </p:cNvPr>
-          <p:cNvSpPr>
-            <a:spLocks noGrp="1"/>
-          </p:cNvSpPr>
-          <p:nvPr>
-            <p:ph type="subTitle" idx="1"/>
-          </p:nvPr>
-        </p:nvSpPr>
-        <p:spPr>
-          <a:xfrm>
-            <a:off x="1625600" y="3851564"/>
-            <a:ext cx="6474692" cy="1200727"/>
-          </a:xfrm>
-        </p:spPr>
-        <p:txBody>
-          <a:bodyPr>
-            <a:normAutofit fontScale="92500" lnSpcReduction="20000"/>
-          </a:bodyPr>
-          <a:lstStyle/>
-          <a:p>
-            <a:endParaRPr lang="pt-BR" dirty="0"/>
-          </a:p>
-          <a:p>
-            <a:r>
-              <a:rPr lang="pt-BR" sz="6500" spc="-200" dirty="0">
-                <a:latin typeface="Loew Heavy" panose="00000A00000000000000" pitchFamily="50" charset="0"/>
-              </a:rPr>
-              <a:t>CONTABILI</a:t>
-            </a:r>
-            <a:r>
-              <a:rPr lang="pt-BR" sz="6500" dirty="0">
-                <a:solidFill>
-                  <a:srgbClr val="2A689C"/>
-                </a:solidFill>
-                <a:latin typeface="Loew Heavy" panose="00000A00000000000000" pitchFamily="50" charset="0"/>
-              </a:rPr>
-              <a:t>MAX</a:t>
-            </a:r>
-          </a:p>
-        </p:txBody>
-      </p:sp>
-      <p:grpSp>
-        <p:nvGrpSpPr>
-          <p:cNvPr id="5" name="Agrupar 4">
-            <a:extLst>
-              <a:ext uri="{FF2B5EF4-FFF2-40B4-BE49-F238E27FC236}">
-                <a16:creationId xmlns:a16="http://schemas.microsoft.com/office/drawing/2014/main" id="{11F85B2C-1FAA-4867-9C0B-CCDD5BAED204}"/>
-              </a:ext>
-            </a:extLst>
-          </p:cNvPr>
-          <p:cNvGrpSpPr/>
-          <p:nvPr/>
-        </p:nvGrpSpPr>
-        <p:grpSpPr>
-          <a:xfrm>
-            <a:off x="6026045" y="2554357"/>
-            <a:ext cx="3555278" cy="3693944"/>
-            <a:chOff x="3548601" y="1554247"/>
-            <a:chExt cx="1980000" cy="2156861"/>
-          </a:xfrm>
-        </p:grpSpPr>
-        <p:sp>
-          <p:nvSpPr>
-            <p:cNvPr id="6" name="Forma Livre: Forma 5">
-              <a:extLst>
-                <a:ext uri="{FF2B5EF4-FFF2-40B4-BE49-F238E27FC236}">
-                  <a16:creationId xmlns:a16="http://schemas.microsoft.com/office/drawing/2014/main" id="{C13B0B2E-F1FC-4F8C-B42B-30196DDE438B}"/>
-                </a:ext>
-              </a:extLst>
-            </p:cNvPr>
-            <p:cNvSpPr/>
-            <p:nvPr/>
-          </p:nvSpPr>
-          <p:spPr>
-            <a:xfrm rot="2729157" flipH="1">
-              <a:off x="3548601" y="1731108"/>
-              <a:ext cx="1980000" cy="1980000"/>
-            </a:xfrm>
-            <a:custGeom>
-              <a:avLst/>
-              <a:gdLst>
-                <a:gd name="connsiteX0" fmla="*/ 1296063 w 2592126"/>
-                <a:gd name="connsiteY0" fmla="*/ 0 h 2592000"/>
-                <a:gd name="connsiteX1" fmla="*/ 2592126 w 2592126"/>
-                <a:gd name="connsiteY1" fmla="*/ 1296000 h 2592000"/>
-                <a:gd name="connsiteX2" fmla="*/ 1296062 w 2592126"/>
-                <a:gd name="connsiteY2" fmla="*/ 1296000 h 2592000"/>
-                <a:gd name="connsiteX3" fmla="*/ 1296062 w 2592126"/>
-                <a:gd name="connsiteY3" fmla="*/ 2592000 h 2592000"/>
-                <a:gd name="connsiteX4" fmla="*/ 1163548 w 2592126"/>
-                <a:gd name="connsiteY4" fmla="*/ 2585309 h 2592000"/>
-                <a:gd name="connsiteX5" fmla="*/ 0 w 2592126"/>
-                <a:gd name="connsiteY5" fmla="*/ 1296000 h 2592000"/>
-                <a:gd name="connsiteX6" fmla="*/ 1296063 w 2592126"/>
-                <a:gd name="connsiteY6" fmla="*/ 0 h 2592000"/>
-                <a:gd name="connsiteX0" fmla="*/ 1296062 w 2592126"/>
-                <a:gd name="connsiteY0" fmla="*/ 1296000 h 2592000"/>
-                <a:gd name="connsiteX1" fmla="*/ 1296062 w 2592126"/>
-                <a:gd name="connsiteY1" fmla="*/ 2592000 h 2592000"/>
-                <a:gd name="connsiteX2" fmla="*/ 1163548 w 2592126"/>
-                <a:gd name="connsiteY2" fmla="*/ 2585309 h 2592000"/>
-                <a:gd name="connsiteX3" fmla="*/ 0 w 2592126"/>
-                <a:gd name="connsiteY3" fmla="*/ 1296000 h 2592000"/>
-                <a:gd name="connsiteX4" fmla="*/ 1296063 w 2592126"/>
-                <a:gd name="connsiteY4" fmla="*/ 0 h 2592000"/>
-                <a:gd name="connsiteX5" fmla="*/ 2592126 w 2592126"/>
-                <a:gd name="connsiteY5" fmla="*/ 1296000 h 2592000"/>
-                <a:gd name="connsiteX6" fmla="*/ 1387502 w 2592126"/>
-                <a:gd name="connsiteY6" fmla="*/ 1387440 h 2592000"/>
-                <a:gd name="connsiteX0" fmla="*/ 1296062 w 2592126"/>
-                <a:gd name="connsiteY0" fmla="*/ 1296000 h 2592000"/>
-                <a:gd name="connsiteX1" fmla="*/ 1288989 w 2592126"/>
-                <a:gd name="connsiteY1" fmla="*/ 1393566 h 2592000"/>
-                <a:gd name="connsiteX2" fmla="*/ 1296062 w 2592126"/>
-                <a:gd name="connsiteY2" fmla="*/ 2592000 h 2592000"/>
-                <a:gd name="connsiteX3" fmla="*/ 1163548 w 2592126"/>
-                <a:gd name="connsiteY3" fmla="*/ 2585309 h 2592000"/>
-                <a:gd name="connsiteX4" fmla="*/ 0 w 2592126"/>
-                <a:gd name="connsiteY4" fmla="*/ 1296000 h 2592000"/>
-                <a:gd name="connsiteX5" fmla="*/ 1296063 w 2592126"/>
-                <a:gd name="connsiteY5" fmla="*/ 0 h 2592000"/>
-                <a:gd name="connsiteX6" fmla="*/ 2592126 w 2592126"/>
-                <a:gd name="connsiteY6" fmla="*/ 1296000 h 2592000"/>
-                <a:gd name="connsiteX7" fmla="*/ 1387502 w 2592126"/>
-                <a:gd name="connsiteY7" fmla="*/ 1387440 h 2592000"/>
-                <a:gd name="connsiteX0" fmla="*/ 1296062 w 2592126"/>
-                <a:gd name="connsiteY0" fmla="*/ 1296000 h 2592000"/>
-                <a:gd name="connsiteX1" fmla="*/ 1288989 w 2592126"/>
-                <a:gd name="connsiteY1" fmla="*/ 1393566 h 2592000"/>
-                <a:gd name="connsiteX2" fmla="*/ 1296062 w 2592126"/>
-                <a:gd name="connsiteY2" fmla="*/ 2592000 h 2592000"/>
-                <a:gd name="connsiteX3" fmla="*/ 1163548 w 2592126"/>
-                <a:gd name="connsiteY3" fmla="*/ 2585309 h 2592000"/>
-                <a:gd name="connsiteX4" fmla="*/ 0 w 2592126"/>
-                <a:gd name="connsiteY4" fmla="*/ 1296000 h 2592000"/>
-                <a:gd name="connsiteX5" fmla="*/ 1296063 w 2592126"/>
-                <a:gd name="connsiteY5" fmla="*/ 0 h 2592000"/>
-                <a:gd name="connsiteX6" fmla="*/ 2592126 w 2592126"/>
-                <a:gd name="connsiteY6" fmla="*/ 1296000 h 2592000"/>
-                <a:gd name="connsiteX0" fmla="*/ 1288989 w 2592126"/>
-                <a:gd name="connsiteY0" fmla="*/ 1393566 h 2592000"/>
-                <a:gd name="connsiteX1" fmla="*/ 1296062 w 2592126"/>
-                <a:gd name="connsiteY1" fmla="*/ 2592000 h 2592000"/>
-                <a:gd name="connsiteX2" fmla="*/ 1163548 w 2592126"/>
-                <a:gd name="connsiteY2" fmla="*/ 2585309 h 2592000"/>
-                <a:gd name="connsiteX3" fmla="*/ 0 w 2592126"/>
-                <a:gd name="connsiteY3" fmla="*/ 1296000 h 2592000"/>
-                <a:gd name="connsiteX4" fmla="*/ 1296063 w 2592126"/>
-                <a:gd name="connsiteY4" fmla="*/ 0 h 2592000"/>
-                <a:gd name="connsiteX5" fmla="*/ 2592126 w 2592126"/>
-                <a:gd name="connsiteY5" fmla="*/ 1296000 h 2592000"/>
-                <a:gd name="connsiteX0" fmla="*/ 1296062 w 2592126"/>
-                <a:gd name="connsiteY0" fmla="*/ 2592000 h 2592000"/>
-                <a:gd name="connsiteX1" fmla="*/ 1163548 w 2592126"/>
-                <a:gd name="connsiteY1" fmla="*/ 2585309 h 2592000"/>
-                <a:gd name="connsiteX2" fmla="*/ 0 w 2592126"/>
-                <a:gd name="connsiteY2" fmla="*/ 1296000 h 2592000"/>
-                <a:gd name="connsiteX3" fmla="*/ 1296063 w 2592126"/>
-                <a:gd name="connsiteY3" fmla="*/ 0 h 2592000"/>
-                <a:gd name="connsiteX4" fmla="*/ 2592126 w 2592126"/>
-                <a:gd name="connsiteY4" fmla="*/ 1296000 h 2592000"/>
-              </a:gdLst>
-              <a:ahLst/>
-              <a:cxnLst>
-                <a:cxn ang="0">
-                  <a:pos x="connsiteX0" y="connsiteY0"/>
-                </a:cxn>
-                <a:cxn ang="0">
-                  <a:pos x="connsiteX1" y="connsiteY1"/>
-                </a:cxn>
-                <a:cxn ang="0">
-                  <a:pos x="connsiteX2" y="connsiteY2"/>
-                </a:cxn>
-                <a:cxn ang="0">
-                  <a:pos x="connsiteX3" y="connsiteY3"/>
-                </a:cxn>
-                <a:cxn ang="0">
-                  <a:pos x="connsiteX4" y="connsiteY4"/>
-                </a:cxn>
-              </a:cxnLst>
-              <a:rect l="l" t="t" r="r" b="b"/>
-              <a:pathLst>
-                <a:path w="2592126" h="2592000">
-                  <a:moveTo>
-                    <a:pt x="1296062" y="2592000"/>
-                  </a:moveTo>
-                  <a:lnTo>
-                    <a:pt x="1163548" y="2585309"/>
-                  </a:lnTo>
-                  <a:cubicBezTo>
-                    <a:pt x="510001" y="2518941"/>
-                    <a:pt x="0" y="1967026"/>
-                    <a:pt x="0" y="1296000"/>
-                  </a:cubicBezTo>
-                  <a:cubicBezTo>
-                    <a:pt x="0" y="580239"/>
-                    <a:pt x="580267" y="0"/>
-                    <a:pt x="1296063" y="0"/>
-                  </a:cubicBezTo>
-                  <a:cubicBezTo>
-                    <a:pt x="2011859" y="0"/>
-                    <a:pt x="2592126" y="580239"/>
-                    <a:pt x="2592126" y="1296000"/>
-                  </a:cubicBezTo>
-                </a:path>
-              </a:pathLst>
-            </a:custGeom>
-            <a:noFill/>
-            <a:ln w="31750" cmpd="sng">
+            <a:endParaRPr lang="pt-BR" dirty="0">
               <a:solidFill>
-                <a:schemeClr val="bg1">
-                  <a:lumMod val="75000"/>
-                </a:schemeClr>
+                <a:srgbClr val="2A689C"/>
               </a:solidFill>
-              <a:headEnd w="sm" len="sm"/>
-            </a:ln>
-          </p:spPr>
-          <p:style>
-            <a:lnRef idx="2">
-              <a:schemeClr val="accent1">
-                <a:shade val="50000"/>
-              </a:schemeClr>
-            </a:lnRef>
-            <a:fillRef idx="1">
-              <a:schemeClr val="accent1"/>
-            </a:fillRef>
-            <a:effectRef idx="0">
-              <a:schemeClr val="accent1"/>
-            </a:effectRef>
-            <a:fontRef idx="minor">
-              <a:schemeClr val="lt1"/>
-            </a:fontRef>
-          </p:style>
-          <p:txBody>
-            <a:bodyPr wrap="square" rtlCol="0" anchor="ctr">
-              <a:noAutofit/>
-            </a:bodyPr>
-            <a:lstStyle/>
-            <a:p>
-              <a:pPr algn="ctr"/>
-              <a:endParaRPr lang="pt-BR" dirty="0"/>
-            </a:p>
-          </p:txBody>
-        </p:sp>
-        <p:sp>
-          <p:nvSpPr>
-            <p:cNvPr id="7" name="Forma Livre: Forma 6">
-              <a:extLst>
-                <a:ext uri="{FF2B5EF4-FFF2-40B4-BE49-F238E27FC236}">
-                  <a16:creationId xmlns:a16="http://schemas.microsoft.com/office/drawing/2014/main" id="{929EE901-2C7E-495B-84EE-0BA5BD456F6C}"/>
-                </a:ext>
-              </a:extLst>
-            </p:cNvPr>
-            <p:cNvSpPr/>
-            <p:nvPr/>
-          </p:nvSpPr>
-          <p:spPr>
-            <a:xfrm rot="2729157" flipH="1">
-              <a:off x="4077214" y="1554247"/>
-              <a:ext cx="990000" cy="990000"/>
-            </a:xfrm>
-            <a:custGeom>
-              <a:avLst/>
-              <a:gdLst>
-                <a:gd name="connsiteX0" fmla="*/ 1296063 w 2592126"/>
-                <a:gd name="connsiteY0" fmla="*/ 0 h 2592000"/>
-                <a:gd name="connsiteX1" fmla="*/ 2592126 w 2592126"/>
-                <a:gd name="connsiteY1" fmla="*/ 1296000 h 2592000"/>
-                <a:gd name="connsiteX2" fmla="*/ 1296062 w 2592126"/>
-                <a:gd name="connsiteY2" fmla="*/ 1296000 h 2592000"/>
-                <a:gd name="connsiteX3" fmla="*/ 1296062 w 2592126"/>
-                <a:gd name="connsiteY3" fmla="*/ 2592000 h 2592000"/>
-                <a:gd name="connsiteX4" fmla="*/ 1163548 w 2592126"/>
-                <a:gd name="connsiteY4" fmla="*/ 2585309 h 2592000"/>
-                <a:gd name="connsiteX5" fmla="*/ 0 w 2592126"/>
-                <a:gd name="connsiteY5" fmla="*/ 1296000 h 2592000"/>
-                <a:gd name="connsiteX6" fmla="*/ 1296063 w 2592126"/>
-                <a:gd name="connsiteY6" fmla="*/ 0 h 2592000"/>
-                <a:gd name="connsiteX0" fmla="*/ 1296062 w 2592126"/>
-                <a:gd name="connsiteY0" fmla="*/ 1296000 h 2592000"/>
-                <a:gd name="connsiteX1" fmla="*/ 1296062 w 2592126"/>
-                <a:gd name="connsiteY1" fmla="*/ 2592000 h 2592000"/>
-                <a:gd name="connsiteX2" fmla="*/ 1163548 w 2592126"/>
-                <a:gd name="connsiteY2" fmla="*/ 2585309 h 2592000"/>
-                <a:gd name="connsiteX3" fmla="*/ 0 w 2592126"/>
-                <a:gd name="connsiteY3" fmla="*/ 1296000 h 2592000"/>
-                <a:gd name="connsiteX4" fmla="*/ 1296063 w 2592126"/>
-                <a:gd name="connsiteY4" fmla="*/ 0 h 2592000"/>
-                <a:gd name="connsiteX5" fmla="*/ 2592126 w 2592126"/>
-                <a:gd name="connsiteY5" fmla="*/ 1296000 h 2592000"/>
-                <a:gd name="connsiteX6" fmla="*/ 1387502 w 2592126"/>
-                <a:gd name="connsiteY6" fmla="*/ 1387440 h 2592000"/>
-                <a:gd name="connsiteX0" fmla="*/ 1296062 w 2592126"/>
-                <a:gd name="connsiteY0" fmla="*/ 1296000 h 2592000"/>
-                <a:gd name="connsiteX1" fmla="*/ 1288989 w 2592126"/>
-                <a:gd name="connsiteY1" fmla="*/ 1393566 h 2592000"/>
-                <a:gd name="connsiteX2" fmla="*/ 1296062 w 2592126"/>
-                <a:gd name="connsiteY2" fmla="*/ 2592000 h 2592000"/>
-                <a:gd name="connsiteX3" fmla="*/ 1163548 w 2592126"/>
-                <a:gd name="connsiteY3" fmla="*/ 2585309 h 2592000"/>
-                <a:gd name="connsiteX4" fmla="*/ 0 w 2592126"/>
-                <a:gd name="connsiteY4" fmla="*/ 1296000 h 2592000"/>
-                <a:gd name="connsiteX5" fmla="*/ 1296063 w 2592126"/>
-                <a:gd name="connsiteY5" fmla="*/ 0 h 2592000"/>
-                <a:gd name="connsiteX6" fmla="*/ 2592126 w 2592126"/>
-                <a:gd name="connsiteY6" fmla="*/ 1296000 h 2592000"/>
-                <a:gd name="connsiteX7" fmla="*/ 1387502 w 2592126"/>
-                <a:gd name="connsiteY7" fmla="*/ 1387440 h 2592000"/>
-                <a:gd name="connsiteX0" fmla="*/ 1296062 w 2592126"/>
-                <a:gd name="connsiteY0" fmla="*/ 1296000 h 2592000"/>
-                <a:gd name="connsiteX1" fmla="*/ 1288989 w 2592126"/>
-                <a:gd name="connsiteY1" fmla="*/ 1393566 h 2592000"/>
-                <a:gd name="connsiteX2" fmla="*/ 1296062 w 2592126"/>
-                <a:gd name="connsiteY2" fmla="*/ 2592000 h 2592000"/>
-                <a:gd name="connsiteX3" fmla="*/ 1163548 w 2592126"/>
-                <a:gd name="connsiteY3" fmla="*/ 2585309 h 2592000"/>
-                <a:gd name="connsiteX4" fmla="*/ 0 w 2592126"/>
-                <a:gd name="connsiteY4" fmla="*/ 1296000 h 2592000"/>
-                <a:gd name="connsiteX5" fmla="*/ 1296063 w 2592126"/>
-                <a:gd name="connsiteY5" fmla="*/ 0 h 2592000"/>
-                <a:gd name="connsiteX6" fmla="*/ 2592126 w 2592126"/>
-                <a:gd name="connsiteY6" fmla="*/ 1296000 h 2592000"/>
-                <a:gd name="connsiteX0" fmla="*/ 1288989 w 2592126"/>
-                <a:gd name="connsiteY0" fmla="*/ 1393566 h 2592000"/>
-                <a:gd name="connsiteX1" fmla="*/ 1296062 w 2592126"/>
-                <a:gd name="connsiteY1" fmla="*/ 2592000 h 2592000"/>
-                <a:gd name="connsiteX2" fmla="*/ 1163548 w 2592126"/>
-                <a:gd name="connsiteY2" fmla="*/ 2585309 h 2592000"/>
-                <a:gd name="connsiteX3" fmla="*/ 0 w 2592126"/>
-                <a:gd name="connsiteY3" fmla="*/ 1296000 h 2592000"/>
-                <a:gd name="connsiteX4" fmla="*/ 1296063 w 2592126"/>
-                <a:gd name="connsiteY4" fmla="*/ 0 h 2592000"/>
-                <a:gd name="connsiteX5" fmla="*/ 2592126 w 2592126"/>
-                <a:gd name="connsiteY5" fmla="*/ 1296000 h 2592000"/>
-                <a:gd name="connsiteX0" fmla="*/ 1296062 w 2592126"/>
-                <a:gd name="connsiteY0" fmla="*/ 2592000 h 2592000"/>
-                <a:gd name="connsiteX1" fmla="*/ 1163548 w 2592126"/>
-                <a:gd name="connsiteY1" fmla="*/ 2585309 h 2592000"/>
-                <a:gd name="connsiteX2" fmla="*/ 0 w 2592126"/>
-                <a:gd name="connsiteY2" fmla="*/ 1296000 h 2592000"/>
-                <a:gd name="connsiteX3" fmla="*/ 1296063 w 2592126"/>
-                <a:gd name="connsiteY3" fmla="*/ 0 h 2592000"/>
-                <a:gd name="connsiteX4" fmla="*/ 2592126 w 2592126"/>
-                <a:gd name="connsiteY4" fmla="*/ 1296000 h 2592000"/>
-                <a:gd name="connsiteX0" fmla="*/ 1296062 w 2592126"/>
-                <a:gd name="connsiteY0" fmla="*/ 2592000 h 2592000"/>
-                <a:gd name="connsiteX1" fmla="*/ 1163548 w 2592126"/>
-                <a:gd name="connsiteY1" fmla="*/ 2585309 h 2592000"/>
-                <a:gd name="connsiteX2" fmla="*/ 0 w 2592126"/>
-                <a:gd name="connsiteY2" fmla="*/ 1296000 h 2592000"/>
-                <a:gd name="connsiteX3" fmla="*/ 1296063 w 2592126"/>
-                <a:gd name="connsiteY3" fmla="*/ 0 h 2592000"/>
-                <a:gd name="connsiteX4" fmla="*/ 2592126 w 2592126"/>
-                <a:gd name="connsiteY4" fmla="*/ 1296000 h 2592000"/>
-                <a:gd name="connsiteX0" fmla="*/ 1296062 w 2592126"/>
-                <a:gd name="connsiteY0" fmla="*/ 2592000 h 2592000"/>
-                <a:gd name="connsiteX1" fmla="*/ 1163548 w 2592126"/>
-                <a:gd name="connsiteY1" fmla="*/ 2585309 h 2592000"/>
-                <a:gd name="connsiteX2" fmla="*/ 0 w 2592126"/>
-                <a:gd name="connsiteY2" fmla="*/ 1296000 h 2592000"/>
-                <a:gd name="connsiteX3" fmla="*/ 1296063 w 2592126"/>
-                <a:gd name="connsiteY3" fmla="*/ 0 h 2592000"/>
-                <a:gd name="connsiteX4" fmla="*/ 2592126 w 2592126"/>
-                <a:gd name="connsiteY4" fmla="*/ 1296000 h 2592000"/>
-                <a:gd name="connsiteX0" fmla="*/ 1163548 w 2592126"/>
-                <a:gd name="connsiteY0" fmla="*/ 2585309 h 2585309"/>
-                <a:gd name="connsiteX1" fmla="*/ 0 w 2592126"/>
-                <a:gd name="connsiteY1" fmla="*/ 1296000 h 2585309"/>
-                <a:gd name="connsiteX2" fmla="*/ 1296063 w 2592126"/>
-                <a:gd name="connsiteY2" fmla="*/ 0 h 2585309"/>
-                <a:gd name="connsiteX3" fmla="*/ 2592126 w 2592126"/>
-                <a:gd name="connsiteY3" fmla="*/ 1296000 h 2585309"/>
-                <a:gd name="connsiteX0" fmla="*/ 0 w 2592126"/>
-                <a:gd name="connsiteY0" fmla="*/ 1296000 h 1296000"/>
-                <a:gd name="connsiteX1" fmla="*/ 1296063 w 2592126"/>
-                <a:gd name="connsiteY1" fmla="*/ 0 h 1296000"/>
-                <a:gd name="connsiteX2" fmla="*/ 2592126 w 2592126"/>
-                <a:gd name="connsiteY2" fmla="*/ 1296000 h 1296000"/>
-                <a:gd name="connsiteX0" fmla="*/ 0 w 1296063"/>
-                <a:gd name="connsiteY0" fmla="*/ 0 h 1296000"/>
-                <a:gd name="connsiteX1" fmla="*/ 1296063 w 1296063"/>
-                <a:gd name="connsiteY1" fmla="*/ 1296000 h 1296000"/>
-              </a:gdLst>
-              <a:ahLst/>
-              <a:cxnLst>
-                <a:cxn ang="0">
-                  <a:pos x="connsiteX0" y="connsiteY0"/>
-                </a:cxn>
-                <a:cxn ang="0">
-                  <a:pos x="connsiteX1" y="connsiteY1"/>
-                </a:cxn>
-              </a:cxnLst>
-              <a:rect l="l" t="t" r="r" b="b"/>
-              <a:pathLst>
-                <a:path w="1296063" h="1296000">
-                  <a:moveTo>
-                    <a:pt x="0" y="0"/>
-                  </a:moveTo>
-                  <a:cubicBezTo>
-                    <a:pt x="715796" y="0"/>
-                    <a:pt x="1296063" y="580239"/>
-                    <a:pt x="1296063" y="1296000"/>
-                  </a:cubicBezTo>
-                </a:path>
-              </a:pathLst>
-            </a:custGeom>
-            <a:noFill/>
-            <a:ln w="203200">
-              <a:solidFill>
-                <a:schemeClr val="bg1">
-                  <a:lumMod val="65000"/>
-                </a:schemeClr>
-              </a:solidFill>
-            </a:ln>
-          </p:spPr>
-          <p:style>
-            <a:lnRef idx="2">
-              <a:schemeClr val="accent1">
-                <a:shade val="50000"/>
-              </a:schemeClr>
-            </a:lnRef>
-            <a:fillRef idx="1">
-              <a:schemeClr val="accent1"/>
-            </a:fillRef>
-            <a:effectRef idx="0">
-              <a:schemeClr val="accent1"/>
-            </a:effectRef>
-            <a:fontRef idx="minor">
-              <a:schemeClr val="lt1"/>
-            </a:fontRef>
-          </p:style>
-          <p:txBody>
-            <a:bodyPr wrap="square" rtlCol="0" anchor="ctr">
-              <a:noAutofit/>
-            </a:bodyPr>
-            <a:lstStyle/>
-            <a:p>
-              <a:pPr algn="ctr"/>
-              <a:endParaRPr lang="pt-BR" dirty="0">
-                <a:ln>
-                  <a:solidFill>
-                    <a:schemeClr val="bg1">
-                      <a:lumMod val="85000"/>
-                    </a:schemeClr>
-                  </a:solidFill>
-                </a:ln>
-              </a:endParaRPr>
-            </a:p>
-          </p:txBody>
-        </p:sp>
-      </p:grpSp>
-      <p:grpSp>
-        <p:nvGrpSpPr>
-          <p:cNvPr id="8" name="Agrupar 7">
-            <a:extLst>
-              <a:ext uri="{FF2B5EF4-FFF2-40B4-BE49-F238E27FC236}">
-                <a16:creationId xmlns:a16="http://schemas.microsoft.com/office/drawing/2014/main" id="{DA25B560-87D7-4295-A8F1-F2BF59D54F40}"/>
-              </a:ext>
-            </a:extLst>
-          </p:cNvPr>
-          <p:cNvGrpSpPr/>
-          <p:nvPr/>
-        </p:nvGrpSpPr>
-        <p:grpSpPr>
-          <a:xfrm>
-            <a:off x="6898770" y="3470451"/>
-            <a:ext cx="1902585" cy="1976790"/>
-            <a:chOff x="3548601" y="1554247"/>
-            <a:chExt cx="1980000" cy="2156861"/>
-          </a:xfrm>
-        </p:grpSpPr>
-        <p:sp>
-          <p:nvSpPr>
-            <p:cNvPr id="9" name="Forma Livre: Forma 8">
-              <a:extLst>
-                <a:ext uri="{FF2B5EF4-FFF2-40B4-BE49-F238E27FC236}">
-                  <a16:creationId xmlns:a16="http://schemas.microsoft.com/office/drawing/2014/main" id="{01BCDC50-C298-49ED-98C8-8EC923AF550C}"/>
-                </a:ext>
-              </a:extLst>
-            </p:cNvPr>
-            <p:cNvSpPr/>
-            <p:nvPr/>
-          </p:nvSpPr>
-          <p:spPr>
-            <a:xfrm rot="2729157" flipH="1">
-              <a:off x="3548601" y="1731108"/>
-              <a:ext cx="1980000" cy="1980000"/>
-            </a:xfrm>
-            <a:custGeom>
-              <a:avLst/>
-              <a:gdLst>
-                <a:gd name="connsiteX0" fmla="*/ 1296063 w 2592126"/>
-                <a:gd name="connsiteY0" fmla="*/ 0 h 2592000"/>
-                <a:gd name="connsiteX1" fmla="*/ 2592126 w 2592126"/>
-                <a:gd name="connsiteY1" fmla="*/ 1296000 h 2592000"/>
-                <a:gd name="connsiteX2" fmla="*/ 1296062 w 2592126"/>
-                <a:gd name="connsiteY2" fmla="*/ 1296000 h 2592000"/>
-                <a:gd name="connsiteX3" fmla="*/ 1296062 w 2592126"/>
-                <a:gd name="connsiteY3" fmla="*/ 2592000 h 2592000"/>
-                <a:gd name="connsiteX4" fmla="*/ 1163548 w 2592126"/>
-                <a:gd name="connsiteY4" fmla="*/ 2585309 h 2592000"/>
-                <a:gd name="connsiteX5" fmla="*/ 0 w 2592126"/>
-                <a:gd name="connsiteY5" fmla="*/ 1296000 h 2592000"/>
-                <a:gd name="connsiteX6" fmla="*/ 1296063 w 2592126"/>
-                <a:gd name="connsiteY6" fmla="*/ 0 h 2592000"/>
-                <a:gd name="connsiteX0" fmla="*/ 1296062 w 2592126"/>
-                <a:gd name="connsiteY0" fmla="*/ 1296000 h 2592000"/>
-                <a:gd name="connsiteX1" fmla="*/ 1296062 w 2592126"/>
-                <a:gd name="connsiteY1" fmla="*/ 2592000 h 2592000"/>
-                <a:gd name="connsiteX2" fmla="*/ 1163548 w 2592126"/>
-                <a:gd name="connsiteY2" fmla="*/ 2585309 h 2592000"/>
-                <a:gd name="connsiteX3" fmla="*/ 0 w 2592126"/>
-                <a:gd name="connsiteY3" fmla="*/ 1296000 h 2592000"/>
-                <a:gd name="connsiteX4" fmla="*/ 1296063 w 2592126"/>
-                <a:gd name="connsiteY4" fmla="*/ 0 h 2592000"/>
-                <a:gd name="connsiteX5" fmla="*/ 2592126 w 2592126"/>
-                <a:gd name="connsiteY5" fmla="*/ 1296000 h 2592000"/>
-                <a:gd name="connsiteX6" fmla="*/ 1387502 w 2592126"/>
-                <a:gd name="connsiteY6" fmla="*/ 1387440 h 2592000"/>
-                <a:gd name="connsiteX0" fmla="*/ 1296062 w 2592126"/>
-                <a:gd name="connsiteY0" fmla="*/ 1296000 h 2592000"/>
-                <a:gd name="connsiteX1" fmla="*/ 1288989 w 2592126"/>
-                <a:gd name="connsiteY1" fmla="*/ 1393566 h 2592000"/>
-                <a:gd name="connsiteX2" fmla="*/ 1296062 w 2592126"/>
-                <a:gd name="connsiteY2" fmla="*/ 2592000 h 2592000"/>
-                <a:gd name="connsiteX3" fmla="*/ 1163548 w 2592126"/>
-                <a:gd name="connsiteY3" fmla="*/ 2585309 h 2592000"/>
-                <a:gd name="connsiteX4" fmla="*/ 0 w 2592126"/>
-                <a:gd name="connsiteY4" fmla="*/ 1296000 h 2592000"/>
-                <a:gd name="connsiteX5" fmla="*/ 1296063 w 2592126"/>
-                <a:gd name="connsiteY5" fmla="*/ 0 h 2592000"/>
-                <a:gd name="connsiteX6" fmla="*/ 2592126 w 2592126"/>
-                <a:gd name="connsiteY6" fmla="*/ 1296000 h 2592000"/>
-                <a:gd name="connsiteX7" fmla="*/ 1387502 w 2592126"/>
-                <a:gd name="connsiteY7" fmla="*/ 1387440 h 2592000"/>
-                <a:gd name="connsiteX0" fmla="*/ 1296062 w 2592126"/>
-                <a:gd name="connsiteY0" fmla="*/ 1296000 h 2592000"/>
-                <a:gd name="connsiteX1" fmla="*/ 1288989 w 2592126"/>
-                <a:gd name="connsiteY1" fmla="*/ 1393566 h 2592000"/>
-                <a:gd name="connsiteX2" fmla="*/ 1296062 w 2592126"/>
-                <a:gd name="connsiteY2" fmla="*/ 2592000 h 2592000"/>
-                <a:gd name="connsiteX3" fmla="*/ 1163548 w 2592126"/>
-                <a:gd name="connsiteY3" fmla="*/ 2585309 h 2592000"/>
-                <a:gd name="connsiteX4" fmla="*/ 0 w 2592126"/>
-                <a:gd name="connsiteY4" fmla="*/ 1296000 h 2592000"/>
-                <a:gd name="connsiteX5" fmla="*/ 1296063 w 2592126"/>
-                <a:gd name="connsiteY5" fmla="*/ 0 h 2592000"/>
-                <a:gd name="connsiteX6" fmla="*/ 2592126 w 2592126"/>
-                <a:gd name="connsiteY6" fmla="*/ 1296000 h 2592000"/>
-                <a:gd name="connsiteX0" fmla="*/ 1288989 w 2592126"/>
-                <a:gd name="connsiteY0" fmla="*/ 1393566 h 2592000"/>
-                <a:gd name="connsiteX1" fmla="*/ 1296062 w 2592126"/>
-                <a:gd name="connsiteY1" fmla="*/ 2592000 h 2592000"/>
-                <a:gd name="connsiteX2" fmla="*/ 1163548 w 2592126"/>
-                <a:gd name="connsiteY2" fmla="*/ 2585309 h 2592000"/>
-                <a:gd name="connsiteX3" fmla="*/ 0 w 2592126"/>
-                <a:gd name="connsiteY3" fmla="*/ 1296000 h 2592000"/>
-                <a:gd name="connsiteX4" fmla="*/ 1296063 w 2592126"/>
-                <a:gd name="connsiteY4" fmla="*/ 0 h 2592000"/>
-                <a:gd name="connsiteX5" fmla="*/ 2592126 w 2592126"/>
-                <a:gd name="connsiteY5" fmla="*/ 1296000 h 2592000"/>
-                <a:gd name="connsiteX0" fmla="*/ 1296062 w 2592126"/>
-                <a:gd name="connsiteY0" fmla="*/ 2592000 h 2592000"/>
-                <a:gd name="connsiteX1" fmla="*/ 1163548 w 2592126"/>
-                <a:gd name="connsiteY1" fmla="*/ 2585309 h 2592000"/>
-                <a:gd name="connsiteX2" fmla="*/ 0 w 2592126"/>
-                <a:gd name="connsiteY2" fmla="*/ 1296000 h 2592000"/>
-                <a:gd name="connsiteX3" fmla="*/ 1296063 w 2592126"/>
-                <a:gd name="connsiteY3" fmla="*/ 0 h 2592000"/>
-                <a:gd name="connsiteX4" fmla="*/ 2592126 w 2592126"/>
-                <a:gd name="connsiteY4" fmla="*/ 1296000 h 2592000"/>
-              </a:gdLst>
-              <a:ahLst/>
-              <a:cxnLst>
-                <a:cxn ang="0">
-                  <a:pos x="connsiteX0" y="connsiteY0"/>
-                </a:cxn>
-                <a:cxn ang="0">
-                  <a:pos x="connsiteX1" y="connsiteY1"/>
-                </a:cxn>
-                <a:cxn ang="0">
-                  <a:pos x="connsiteX2" y="connsiteY2"/>
-                </a:cxn>
-                <a:cxn ang="0">
-                  <a:pos x="connsiteX3" y="connsiteY3"/>
-                </a:cxn>
-                <a:cxn ang="0">
-                  <a:pos x="connsiteX4" y="connsiteY4"/>
-                </a:cxn>
-              </a:cxnLst>
-              <a:rect l="l" t="t" r="r" b="b"/>
-              <a:pathLst>
-                <a:path w="2592126" h="2592000">
-                  <a:moveTo>
-                    <a:pt x="1296062" y="2592000"/>
-                  </a:moveTo>
-                  <a:lnTo>
-                    <a:pt x="1163548" y="2585309"/>
-                  </a:lnTo>
-                  <a:cubicBezTo>
-                    <a:pt x="510001" y="2518941"/>
-                    <a:pt x="0" y="1967026"/>
-                    <a:pt x="0" y="1296000"/>
-                  </a:cubicBezTo>
-                  <a:cubicBezTo>
-                    <a:pt x="0" y="580239"/>
-                    <a:pt x="580267" y="0"/>
-                    <a:pt x="1296063" y="0"/>
-                  </a:cubicBezTo>
-                  <a:cubicBezTo>
-                    <a:pt x="2011859" y="0"/>
-                    <a:pt x="2592126" y="580239"/>
-                    <a:pt x="2592126" y="1296000"/>
-                  </a:cubicBezTo>
-                </a:path>
-              </a:pathLst>
-            </a:custGeom>
-            <a:noFill/>
-            <a:ln w="31750" cmpd="sng">
-              <a:solidFill>
-                <a:schemeClr val="tx2">
-                  <a:lumMod val="60000"/>
-                  <a:lumOff val="40000"/>
-                </a:schemeClr>
-              </a:solidFill>
-              <a:headEnd w="sm" len="sm"/>
-            </a:ln>
-          </p:spPr>
-          <p:style>
-            <a:lnRef idx="2">
-              <a:schemeClr val="accent1">
-                <a:shade val="50000"/>
-              </a:schemeClr>
-            </a:lnRef>
-            <a:fillRef idx="1">
-              <a:schemeClr val="accent1"/>
-            </a:fillRef>
-            <a:effectRef idx="0">
-              <a:schemeClr val="accent1"/>
-            </a:effectRef>
-            <a:fontRef idx="minor">
-              <a:schemeClr val="lt1"/>
-            </a:fontRef>
-          </p:style>
-          <p:txBody>
-            <a:bodyPr wrap="square" rtlCol="0" anchor="ctr">
-              <a:noAutofit/>
-            </a:bodyPr>
-            <a:lstStyle/>
-            <a:p>
-              <a:pPr algn="ctr"/>
-              <a:endParaRPr lang="pt-BR" dirty="0"/>
-            </a:p>
-          </p:txBody>
-        </p:sp>
-        <p:sp>
-          <p:nvSpPr>
-            <p:cNvPr id="10" name="Forma Livre: Forma 9">
-              <a:extLst>
-                <a:ext uri="{FF2B5EF4-FFF2-40B4-BE49-F238E27FC236}">
-                  <a16:creationId xmlns:a16="http://schemas.microsoft.com/office/drawing/2014/main" id="{7A40D5BB-9436-4100-9A8D-37B5F284E4C9}"/>
-                </a:ext>
-              </a:extLst>
-            </p:cNvPr>
-            <p:cNvSpPr/>
-            <p:nvPr/>
-          </p:nvSpPr>
-          <p:spPr>
-            <a:xfrm rot="2729157" flipH="1">
-              <a:off x="4077214" y="1554247"/>
-              <a:ext cx="990000" cy="990000"/>
-            </a:xfrm>
-            <a:custGeom>
-              <a:avLst/>
-              <a:gdLst>
-                <a:gd name="connsiteX0" fmla="*/ 1296063 w 2592126"/>
-                <a:gd name="connsiteY0" fmla="*/ 0 h 2592000"/>
-                <a:gd name="connsiteX1" fmla="*/ 2592126 w 2592126"/>
-                <a:gd name="connsiteY1" fmla="*/ 1296000 h 2592000"/>
-                <a:gd name="connsiteX2" fmla="*/ 1296062 w 2592126"/>
-                <a:gd name="connsiteY2" fmla="*/ 1296000 h 2592000"/>
-                <a:gd name="connsiteX3" fmla="*/ 1296062 w 2592126"/>
-                <a:gd name="connsiteY3" fmla="*/ 2592000 h 2592000"/>
-                <a:gd name="connsiteX4" fmla="*/ 1163548 w 2592126"/>
-                <a:gd name="connsiteY4" fmla="*/ 2585309 h 2592000"/>
-                <a:gd name="connsiteX5" fmla="*/ 0 w 2592126"/>
-                <a:gd name="connsiteY5" fmla="*/ 1296000 h 2592000"/>
-                <a:gd name="connsiteX6" fmla="*/ 1296063 w 2592126"/>
-                <a:gd name="connsiteY6" fmla="*/ 0 h 2592000"/>
-                <a:gd name="connsiteX0" fmla="*/ 1296062 w 2592126"/>
-                <a:gd name="connsiteY0" fmla="*/ 1296000 h 2592000"/>
-                <a:gd name="connsiteX1" fmla="*/ 1296062 w 2592126"/>
-                <a:gd name="connsiteY1" fmla="*/ 2592000 h 2592000"/>
-                <a:gd name="connsiteX2" fmla="*/ 1163548 w 2592126"/>
-                <a:gd name="connsiteY2" fmla="*/ 2585309 h 2592000"/>
-                <a:gd name="connsiteX3" fmla="*/ 0 w 2592126"/>
-                <a:gd name="connsiteY3" fmla="*/ 1296000 h 2592000"/>
-                <a:gd name="connsiteX4" fmla="*/ 1296063 w 2592126"/>
-                <a:gd name="connsiteY4" fmla="*/ 0 h 2592000"/>
-                <a:gd name="connsiteX5" fmla="*/ 2592126 w 2592126"/>
-                <a:gd name="connsiteY5" fmla="*/ 1296000 h 2592000"/>
-                <a:gd name="connsiteX6" fmla="*/ 1387502 w 2592126"/>
-                <a:gd name="connsiteY6" fmla="*/ 1387440 h 2592000"/>
-                <a:gd name="connsiteX0" fmla="*/ 1296062 w 2592126"/>
-                <a:gd name="connsiteY0" fmla="*/ 1296000 h 2592000"/>
-                <a:gd name="connsiteX1" fmla="*/ 1288989 w 2592126"/>
-                <a:gd name="connsiteY1" fmla="*/ 1393566 h 2592000"/>
-                <a:gd name="connsiteX2" fmla="*/ 1296062 w 2592126"/>
-                <a:gd name="connsiteY2" fmla="*/ 2592000 h 2592000"/>
-                <a:gd name="connsiteX3" fmla="*/ 1163548 w 2592126"/>
-                <a:gd name="connsiteY3" fmla="*/ 2585309 h 2592000"/>
-                <a:gd name="connsiteX4" fmla="*/ 0 w 2592126"/>
-                <a:gd name="connsiteY4" fmla="*/ 1296000 h 2592000"/>
-                <a:gd name="connsiteX5" fmla="*/ 1296063 w 2592126"/>
-                <a:gd name="connsiteY5" fmla="*/ 0 h 2592000"/>
-                <a:gd name="connsiteX6" fmla="*/ 2592126 w 2592126"/>
-                <a:gd name="connsiteY6" fmla="*/ 1296000 h 2592000"/>
-                <a:gd name="connsiteX7" fmla="*/ 1387502 w 2592126"/>
-                <a:gd name="connsiteY7" fmla="*/ 1387440 h 2592000"/>
-                <a:gd name="connsiteX0" fmla="*/ 1296062 w 2592126"/>
-                <a:gd name="connsiteY0" fmla="*/ 1296000 h 2592000"/>
-                <a:gd name="connsiteX1" fmla="*/ 1288989 w 2592126"/>
-                <a:gd name="connsiteY1" fmla="*/ 1393566 h 2592000"/>
-                <a:gd name="connsiteX2" fmla="*/ 1296062 w 2592126"/>
-                <a:gd name="connsiteY2" fmla="*/ 2592000 h 2592000"/>
-                <a:gd name="connsiteX3" fmla="*/ 1163548 w 2592126"/>
-                <a:gd name="connsiteY3" fmla="*/ 2585309 h 2592000"/>
-                <a:gd name="connsiteX4" fmla="*/ 0 w 2592126"/>
-                <a:gd name="connsiteY4" fmla="*/ 1296000 h 2592000"/>
-                <a:gd name="connsiteX5" fmla="*/ 1296063 w 2592126"/>
-                <a:gd name="connsiteY5" fmla="*/ 0 h 2592000"/>
-                <a:gd name="connsiteX6" fmla="*/ 2592126 w 2592126"/>
-                <a:gd name="connsiteY6" fmla="*/ 1296000 h 2592000"/>
-                <a:gd name="connsiteX0" fmla="*/ 1288989 w 2592126"/>
-                <a:gd name="connsiteY0" fmla="*/ 1393566 h 2592000"/>
-                <a:gd name="connsiteX1" fmla="*/ 1296062 w 2592126"/>
-                <a:gd name="connsiteY1" fmla="*/ 2592000 h 2592000"/>
-                <a:gd name="connsiteX2" fmla="*/ 1163548 w 2592126"/>
-                <a:gd name="connsiteY2" fmla="*/ 2585309 h 2592000"/>
-                <a:gd name="connsiteX3" fmla="*/ 0 w 2592126"/>
-                <a:gd name="connsiteY3" fmla="*/ 1296000 h 2592000"/>
-                <a:gd name="connsiteX4" fmla="*/ 1296063 w 2592126"/>
-                <a:gd name="connsiteY4" fmla="*/ 0 h 2592000"/>
-                <a:gd name="connsiteX5" fmla="*/ 2592126 w 2592126"/>
-                <a:gd name="connsiteY5" fmla="*/ 1296000 h 2592000"/>
-                <a:gd name="connsiteX0" fmla="*/ 1296062 w 2592126"/>
-                <a:gd name="connsiteY0" fmla="*/ 2592000 h 2592000"/>
-                <a:gd name="connsiteX1" fmla="*/ 1163548 w 2592126"/>
-                <a:gd name="connsiteY1" fmla="*/ 2585309 h 2592000"/>
-                <a:gd name="connsiteX2" fmla="*/ 0 w 2592126"/>
-                <a:gd name="connsiteY2" fmla="*/ 1296000 h 2592000"/>
-                <a:gd name="connsiteX3" fmla="*/ 1296063 w 2592126"/>
-                <a:gd name="connsiteY3" fmla="*/ 0 h 2592000"/>
-                <a:gd name="connsiteX4" fmla="*/ 2592126 w 2592126"/>
-                <a:gd name="connsiteY4" fmla="*/ 1296000 h 2592000"/>
-                <a:gd name="connsiteX0" fmla="*/ 1296062 w 2592126"/>
-                <a:gd name="connsiteY0" fmla="*/ 2592000 h 2592000"/>
-                <a:gd name="connsiteX1" fmla="*/ 1163548 w 2592126"/>
-                <a:gd name="connsiteY1" fmla="*/ 2585309 h 2592000"/>
-                <a:gd name="connsiteX2" fmla="*/ 0 w 2592126"/>
-                <a:gd name="connsiteY2" fmla="*/ 1296000 h 2592000"/>
-                <a:gd name="connsiteX3" fmla="*/ 1296063 w 2592126"/>
-                <a:gd name="connsiteY3" fmla="*/ 0 h 2592000"/>
-                <a:gd name="connsiteX4" fmla="*/ 2592126 w 2592126"/>
-                <a:gd name="connsiteY4" fmla="*/ 1296000 h 2592000"/>
-                <a:gd name="connsiteX0" fmla="*/ 1296062 w 2592126"/>
-                <a:gd name="connsiteY0" fmla="*/ 2592000 h 2592000"/>
-                <a:gd name="connsiteX1" fmla="*/ 1163548 w 2592126"/>
-                <a:gd name="connsiteY1" fmla="*/ 2585309 h 2592000"/>
-                <a:gd name="connsiteX2" fmla="*/ 0 w 2592126"/>
-                <a:gd name="connsiteY2" fmla="*/ 1296000 h 2592000"/>
-                <a:gd name="connsiteX3" fmla="*/ 1296063 w 2592126"/>
-                <a:gd name="connsiteY3" fmla="*/ 0 h 2592000"/>
-                <a:gd name="connsiteX4" fmla="*/ 2592126 w 2592126"/>
-                <a:gd name="connsiteY4" fmla="*/ 1296000 h 2592000"/>
-                <a:gd name="connsiteX0" fmla="*/ 1163548 w 2592126"/>
-                <a:gd name="connsiteY0" fmla="*/ 2585309 h 2585309"/>
-                <a:gd name="connsiteX1" fmla="*/ 0 w 2592126"/>
-                <a:gd name="connsiteY1" fmla="*/ 1296000 h 2585309"/>
-                <a:gd name="connsiteX2" fmla="*/ 1296063 w 2592126"/>
-                <a:gd name="connsiteY2" fmla="*/ 0 h 2585309"/>
-                <a:gd name="connsiteX3" fmla="*/ 2592126 w 2592126"/>
-                <a:gd name="connsiteY3" fmla="*/ 1296000 h 2585309"/>
-                <a:gd name="connsiteX0" fmla="*/ 0 w 2592126"/>
-                <a:gd name="connsiteY0" fmla="*/ 1296000 h 1296000"/>
-                <a:gd name="connsiteX1" fmla="*/ 1296063 w 2592126"/>
-                <a:gd name="connsiteY1" fmla="*/ 0 h 1296000"/>
-                <a:gd name="connsiteX2" fmla="*/ 2592126 w 2592126"/>
-                <a:gd name="connsiteY2" fmla="*/ 1296000 h 1296000"/>
-                <a:gd name="connsiteX0" fmla="*/ 0 w 1296063"/>
-                <a:gd name="connsiteY0" fmla="*/ 0 h 1296000"/>
-                <a:gd name="connsiteX1" fmla="*/ 1296063 w 1296063"/>
-                <a:gd name="connsiteY1" fmla="*/ 1296000 h 1296000"/>
-              </a:gdLst>
-              <a:ahLst/>
-              <a:cxnLst>
-                <a:cxn ang="0">
-                  <a:pos x="connsiteX0" y="connsiteY0"/>
-                </a:cxn>
-                <a:cxn ang="0">
-                  <a:pos x="connsiteX1" y="connsiteY1"/>
-                </a:cxn>
-              </a:cxnLst>
-              <a:rect l="l" t="t" r="r" b="b"/>
-              <a:pathLst>
-                <a:path w="1296063" h="1296000">
-                  <a:moveTo>
-                    <a:pt x="0" y="0"/>
-                  </a:moveTo>
-                  <a:cubicBezTo>
-                    <a:pt x="715796" y="0"/>
-                    <a:pt x="1296063" y="580239"/>
-                    <a:pt x="1296063" y="1296000"/>
-                  </a:cubicBezTo>
-                </a:path>
-              </a:pathLst>
-            </a:custGeom>
-            <a:noFill/>
-            <a:ln w="203200">
-              <a:solidFill>
-                <a:schemeClr val="tx2">
-                  <a:lumMod val="60000"/>
-                  <a:lumOff val="40000"/>
-                </a:schemeClr>
-              </a:solidFill>
-            </a:ln>
-          </p:spPr>
-          <p:style>
-            <a:lnRef idx="2">
-              <a:schemeClr val="accent1">
-                <a:shade val="50000"/>
-              </a:schemeClr>
-            </a:lnRef>
-            <a:fillRef idx="1">
-              <a:schemeClr val="accent1"/>
-            </a:fillRef>
-            <a:effectRef idx="0">
-              <a:schemeClr val="accent1"/>
-            </a:effectRef>
-            <a:fontRef idx="minor">
-              <a:schemeClr val="lt1"/>
-            </a:fontRef>
-          </p:style>
-          <p:txBody>
-            <a:bodyPr wrap="square" rtlCol="0" anchor="ctr">
-              <a:noAutofit/>
-            </a:bodyPr>
-            <a:lstStyle/>
-            <a:p>
-              <a:pPr algn="ctr"/>
-              <a:endParaRPr lang="pt-BR" dirty="0">
-                <a:ln>
-                  <a:solidFill>
-                    <a:schemeClr val="bg1">
-                      <a:lumMod val="85000"/>
-                    </a:schemeClr>
-                  </a:solidFill>
-                </a:ln>
-              </a:endParaRPr>
-            </a:p>
-          </p:txBody>
-        </p:sp>
-      </p:grpSp>
-      <p:grpSp>
-        <p:nvGrpSpPr>
-          <p:cNvPr id="11" name="Agrupar 10">
-            <a:extLst>
-              <a:ext uri="{FF2B5EF4-FFF2-40B4-BE49-F238E27FC236}">
-                <a16:creationId xmlns:a16="http://schemas.microsoft.com/office/drawing/2014/main" id="{00AE1CDF-39B5-4B3C-B0BC-FD1EC3C0E896}"/>
-              </a:ext>
-            </a:extLst>
-          </p:cNvPr>
-          <p:cNvGrpSpPr/>
-          <p:nvPr/>
-        </p:nvGrpSpPr>
-        <p:grpSpPr>
-          <a:xfrm>
-            <a:off x="6539998" y="3009353"/>
-            <a:ext cx="2608552" cy="2710294"/>
-            <a:chOff x="3548601" y="1554247"/>
-            <a:chExt cx="1980000" cy="2156861"/>
-          </a:xfrm>
-        </p:grpSpPr>
-        <p:sp>
-          <p:nvSpPr>
-            <p:cNvPr id="12" name="Forma Livre: Forma 11">
-              <a:extLst>
-                <a:ext uri="{FF2B5EF4-FFF2-40B4-BE49-F238E27FC236}">
-                  <a16:creationId xmlns:a16="http://schemas.microsoft.com/office/drawing/2014/main" id="{8EB5219F-C459-47D9-99E5-262556ED879E}"/>
-                </a:ext>
-              </a:extLst>
-            </p:cNvPr>
-            <p:cNvSpPr/>
-            <p:nvPr/>
-          </p:nvSpPr>
-          <p:spPr>
-            <a:xfrm rot="2729157" flipH="1">
-              <a:off x="3548601" y="1731108"/>
-              <a:ext cx="1980000" cy="1980000"/>
-            </a:xfrm>
-            <a:custGeom>
-              <a:avLst/>
-              <a:gdLst>
-                <a:gd name="connsiteX0" fmla="*/ 1296063 w 2592126"/>
-                <a:gd name="connsiteY0" fmla="*/ 0 h 2592000"/>
-                <a:gd name="connsiteX1" fmla="*/ 2592126 w 2592126"/>
-                <a:gd name="connsiteY1" fmla="*/ 1296000 h 2592000"/>
-                <a:gd name="connsiteX2" fmla="*/ 1296062 w 2592126"/>
-                <a:gd name="connsiteY2" fmla="*/ 1296000 h 2592000"/>
-                <a:gd name="connsiteX3" fmla="*/ 1296062 w 2592126"/>
-                <a:gd name="connsiteY3" fmla="*/ 2592000 h 2592000"/>
-                <a:gd name="connsiteX4" fmla="*/ 1163548 w 2592126"/>
-                <a:gd name="connsiteY4" fmla="*/ 2585309 h 2592000"/>
-                <a:gd name="connsiteX5" fmla="*/ 0 w 2592126"/>
-                <a:gd name="connsiteY5" fmla="*/ 1296000 h 2592000"/>
-                <a:gd name="connsiteX6" fmla="*/ 1296063 w 2592126"/>
-                <a:gd name="connsiteY6" fmla="*/ 0 h 2592000"/>
-                <a:gd name="connsiteX0" fmla="*/ 1296062 w 2592126"/>
-                <a:gd name="connsiteY0" fmla="*/ 1296000 h 2592000"/>
-                <a:gd name="connsiteX1" fmla="*/ 1296062 w 2592126"/>
-                <a:gd name="connsiteY1" fmla="*/ 2592000 h 2592000"/>
-                <a:gd name="connsiteX2" fmla="*/ 1163548 w 2592126"/>
-                <a:gd name="connsiteY2" fmla="*/ 2585309 h 2592000"/>
-                <a:gd name="connsiteX3" fmla="*/ 0 w 2592126"/>
-                <a:gd name="connsiteY3" fmla="*/ 1296000 h 2592000"/>
-                <a:gd name="connsiteX4" fmla="*/ 1296063 w 2592126"/>
-                <a:gd name="connsiteY4" fmla="*/ 0 h 2592000"/>
-                <a:gd name="connsiteX5" fmla="*/ 2592126 w 2592126"/>
-                <a:gd name="connsiteY5" fmla="*/ 1296000 h 2592000"/>
-                <a:gd name="connsiteX6" fmla="*/ 1387502 w 2592126"/>
-                <a:gd name="connsiteY6" fmla="*/ 1387440 h 2592000"/>
-                <a:gd name="connsiteX0" fmla="*/ 1296062 w 2592126"/>
-                <a:gd name="connsiteY0" fmla="*/ 1296000 h 2592000"/>
-                <a:gd name="connsiteX1" fmla="*/ 1288989 w 2592126"/>
-                <a:gd name="connsiteY1" fmla="*/ 1393566 h 2592000"/>
-                <a:gd name="connsiteX2" fmla="*/ 1296062 w 2592126"/>
-                <a:gd name="connsiteY2" fmla="*/ 2592000 h 2592000"/>
-                <a:gd name="connsiteX3" fmla="*/ 1163548 w 2592126"/>
-                <a:gd name="connsiteY3" fmla="*/ 2585309 h 2592000"/>
-                <a:gd name="connsiteX4" fmla="*/ 0 w 2592126"/>
-                <a:gd name="connsiteY4" fmla="*/ 1296000 h 2592000"/>
-                <a:gd name="connsiteX5" fmla="*/ 1296063 w 2592126"/>
-                <a:gd name="connsiteY5" fmla="*/ 0 h 2592000"/>
-                <a:gd name="connsiteX6" fmla="*/ 2592126 w 2592126"/>
-                <a:gd name="connsiteY6" fmla="*/ 1296000 h 2592000"/>
-                <a:gd name="connsiteX7" fmla="*/ 1387502 w 2592126"/>
-                <a:gd name="connsiteY7" fmla="*/ 1387440 h 2592000"/>
-                <a:gd name="connsiteX0" fmla="*/ 1296062 w 2592126"/>
-                <a:gd name="connsiteY0" fmla="*/ 1296000 h 2592000"/>
-                <a:gd name="connsiteX1" fmla="*/ 1288989 w 2592126"/>
-                <a:gd name="connsiteY1" fmla="*/ 1393566 h 2592000"/>
-                <a:gd name="connsiteX2" fmla="*/ 1296062 w 2592126"/>
-                <a:gd name="connsiteY2" fmla="*/ 2592000 h 2592000"/>
-                <a:gd name="connsiteX3" fmla="*/ 1163548 w 2592126"/>
-                <a:gd name="connsiteY3" fmla="*/ 2585309 h 2592000"/>
-                <a:gd name="connsiteX4" fmla="*/ 0 w 2592126"/>
-                <a:gd name="connsiteY4" fmla="*/ 1296000 h 2592000"/>
-                <a:gd name="connsiteX5" fmla="*/ 1296063 w 2592126"/>
-                <a:gd name="connsiteY5" fmla="*/ 0 h 2592000"/>
-                <a:gd name="connsiteX6" fmla="*/ 2592126 w 2592126"/>
-                <a:gd name="connsiteY6" fmla="*/ 1296000 h 2592000"/>
-                <a:gd name="connsiteX0" fmla="*/ 1288989 w 2592126"/>
-                <a:gd name="connsiteY0" fmla="*/ 1393566 h 2592000"/>
-                <a:gd name="connsiteX1" fmla="*/ 1296062 w 2592126"/>
-                <a:gd name="connsiteY1" fmla="*/ 2592000 h 2592000"/>
-                <a:gd name="connsiteX2" fmla="*/ 1163548 w 2592126"/>
-                <a:gd name="connsiteY2" fmla="*/ 2585309 h 2592000"/>
-                <a:gd name="connsiteX3" fmla="*/ 0 w 2592126"/>
-                <a:gd name="connsiteY3" fmla="*/ 1296000 h 2592000"/>
-                <a:gd name="connsiteX4" fmla="*/ 1296063 w 2592126"/>
-                <a:gd name="connsiteY4" fmla="*/ 0 h 2592000"/>
-                <a:gd name="connsiteX5" fmla="*/ 2592126 w 2592126"/>
-                <a:gd name="connsiteY5" fmla="*/ 1296000 h 2592000"/>
-                <a:gd name="connsiteX0" fmla="*/ 1296062 w 2592126"/>
-                <a:gd name="connsiteY0" fmla="*/ 2592000 h 2592000"/>
-                <a:gd name="connsiteX1" fmla="*/ 1163548 w 2592126"/>
-                <a:gd name="connsiteY1" fmla="*/ 2585309 h 2592000"/>
-                <a:gd name="connsiteX2" fmla="*/ 0 w 2592126"/>
-                <a:gd name="connsiteY2" fmla="*/ 1296000 h 2592000"/>
-                <a:gd name="connsiteX3" fmla="*/ 1296063 w 2592126"/>
-                <a:gd name="connsiteY3" fmla="*/ 0 h 2592000"/>
-                <a:gd name="connsiteX4" fmla="*/ 2592126 w 2592126"/>
-                <a:gd name="connsiteY4" fmla="*/ 1296000 h 2592000"/>
-              </a:gdLst>
-              <a:ahLst/>
-              <a:cxnLst>
-                <a:cxn ang="0">
-                  <a:pos x="connsiteX0" y="connsiteY0"/>
-                </a:cxn>
-                <a:cxn ang="0">
-                  <a:pos x="connsiteX1" y="connsiteY1"/>
-                </a:cxn>
-                <a:cxn ang="0">
-                  <a:pos x="connsiteX2" y="connsiteY2"/>
-                </a:cxn>
-                <a:cxn ang="0">
-                  <a:pos x="connsiteX3" y="connsiteY3"/>
-                </a:cxn>
-                <a:cxn ang="0">
-                  <a:pos x="connsiteX4" y="connsiteY4"/>
-                </a:cxn>
-              </a:cxnLst>
-              <a:rect l="l" t="t" r="r" b="b"/>
-              <a:pathLst>
-                <a:path w="2592126" h="2592000">
-                  <a:moveTo>
-                    <a:pt x="1296062" y="2592000"/>
-                  </a:moveTo>
-                  <a:lnTo>
-                    <a:pt x="1163548" y="2585309"/>
-                  </a:lnTo>
-                  <a:cubicBezTo>
-                    <a:pt x="510001" y="2518941"/>
-                    <a:pt x="0" y="1967026"/>
-                    <a:pt x="0" y="1296000"/>
-                  </a:cubicBezTo>
-                  <a:cubicBezTo>
-                    <a:pt x="0" y="580239"/>
-                    <a:pt x="580267" y="0"/>
-                    <a:pt x="1296063" y="0"/>
-                  </a:cubicBezTo>
-                  <a:cubicBezTo>
-                    <a:pt x="2011859" y="0"/>
-                    <a:pt x="2592126" y="580239"/>
-                    <a:pt x="2592126" y="1296000"/>
-                  </a:cubicBezTo>
-                </a:path>
-              </a:pathLst>
-            </a:custGeom>
-            <a:noFill/>
-            <a:ln w="31750" cmpd="sng">
-              <a:solidFill>
-                <a:schemeClr val="bg1">
-                  <a:lumMod val="75000"/>
-                </a:schemeClr>
-              </a:solidFill>
-              <a:headEnd w="sm" len="sm"/>
-            </a:ln>
-          </p:spPr>
-          <p:style>
-            <a:lnRef idx="2">
-              <a:schemeClr val="accent1">
-                <a:shade val="50000"/>
-              </a:schemeClr>
-            </a:lnRef>
-            <a:fillRef idx="1">
-              <a:schemeClr val="accent1"/>
-            </a:fillRef>
-            <a:effectRef idx="0">
-              <a:schemeClr val="accent1"/>
-            </a:effectRef>
-            <a:fontRef idx="minor">
-              <a:schemeClr val="lt1"/>
-            </a:fontRef>
-          </p:style>
-          <p:txBody>
-            <a:bodyPr wrap="square" rtlCol="0" anchor="ctr">
-              <a:noAutofit/>
-            </a:bodyPr>
-            <a:lstStyle/>
-            <a:p>
-              <a:pPr algn="ctr"/>
-              <a:endParaRPr lang="pt-BR" dirty="0"/>
-            </a:p>
-          </p:txBody>
-        </p:sp>
-        <p:sp>
-          <p:nvSpPr>
-            <p:cNvPr id="13" name="Forma Livre: Forma 12">
-              <a:extLst>
-                <a:ext uri="{FF2B5EF4-FFF2-40B4-BE49-F238E27FC236}">
-                  <a16:creationId xmlns:a16="http://schemas.microsoft.com/office/drawing/2014/main" id="{F47A9F49-37D0-4E31-ABF3-2F5A700CAE19}"/>
-                </a:ext>
-              </a:extLst>
-            </p:cNvPr>
-            <p:cNvSpPr/>
-            <p:nvPr/>
-          </p:nvSpPr>
-          <p:spPr>
-            <a:xfrm rot="2729157" flipH="1">
-              <a:off x="4077214" y="1554247"/>
-              <a:ext cx="990000" cy="990000"/>
-            </a:xfrm>
-            <a:custGeom>
-              <a:avLst/>
-              <a:gdLst>
-                <a:gd name="connsiteX0" fmla="*/ 1296063 w 2592126"/>
-                <a:gd name="connsiteY0" fmla="*/ 0 h 2592000"/>
-                <a:gd name="connsiteX1" fmla="*/ 2592126 w 2592126"/>
-                <a:gd name="connsiteY1" fmla="*/ 1296000 h 2592000"/>
-                <a:gd name="connsiteX2" fmla="*/ 1296062 w 2592126"/>
-                <a:gd name="connsiteY2" fmla="*/ 1296000 h 2592000"/>
-                <a:gd name="connsiteX3" fmla="*/ 1296062 w 2592126"/>
-                <a:gd name="connsiteY3" fmla="*/ 2592000 h 2592000"/>
-                <a:gd name="connsiteX4" fmla="*/ 1163548 w 2592126"/>
-                <a:gd name="connsiteY4" fmla="*/ 2585309 h 2592000"/>
-                <a:gd name="connsiteX5" fmla="*/ 0 w 2592126"/>
-                <a:gd name="connsiteY5" fmla="*/ 1296000 h 2592000"/>
-                <a:gd name="connsiteX6" fmla="*/ 1296063 w 2592126"/>
-                <a:gd name="connsiteY6" fmla="*/ 0 h 2592000"/>
-                <a:gd name="connsiteX0" fmla="*/ 1296062 w 2592126"/>
-                <a:gd name="connsiteY0" fmla="*/ 1296000 h 2592000"/>
-                <a:gd name="connsiteX1" fmla="*/ 1296062 w 2592126"/>
-                <a:gd name="connsiteY1" fmla="*/ 2592000 h 2592000"/>
-                <a:gd name="connsiteX2" fmla="*/ 1163548 w 2592126"/>
-                <a:gd name="connsiteY2" fmla="*/ 2585309 h 2592000"/>
-                <a:gd name="connsiteX3" fmla="*/ 0 w 2592126"/>
-                <a:gd name="connsiteY3" fmla="*/ 1296000 h 2592000"/>
-                <a:gd name="connsiteX4" fmla="*/ 1296063 w 2592126"/>
-                <a:gd name="connsiteY4" fmla="*/ 0 h 2592000"/>
-                <a:gd name="connsiteX5" fmla="*/ 2592126 w 2592126"/>
-                <a:gd name="connsiteY5" fmla="*/ 1296000 h 2592000"/>
-                <a:gd name="connsiteX6" fmla="*/ 1387502 w 2592126"/>
-                <a:gd name="connsiteY6" fmla="*/ 1387440 h 2592000"/>
-                <a:gd name="connsiteX0" fmla="*/ 1296062 w 2592126"/>
-                <a:gd name="connsiteY0" fmla="*/ 1296000 h 2592000"/>
-                <a:gd name="connsiteX1" fmla="*/ 1288989 w 2592126"/>
-                <a:gd name="connsiteY1" fmla="*/ 1393566 h 2592000"/>
-                <a:gd name="connsiteX2" fmla="*/ 1296062 w 2592126"/>
-                <a:gd name="connsiteY2" fmla="*/ 2592000 h 2592000"/>
-                <a:gd name="connsiteX3" fmla="*/ 1163548 w 2592126"/>
-                <a:gd name="connsiteY3" fmla="*/ 2585309 h 2592000"/>
-                <a:gd name="connsiteX4" fmla="*/ 0 w 2592126"/>
-                <a:gd name="connsiteY4" fmla="*/ 1296000 h 2592000"/>
-                <a:gd name="connsiteX5" fmla="*/ 1296063 w 2592126"/>
-                <a:gd name="connsiteY5" fmla="*/ 0 h 2592000"/>
-                <a:gd name="connsiteX6" fmla="*/ 2592126 w 2592126"/>
-                <a:gd name="connsiteY6" fmla="*/ 1296000 h 2592000"/>
-                <a:gd name="connsiteX7" fmla="*/ 1387502 w 2592126"/>
-                <a:gd name="connsiteY7" fmla="*/ 1387440 h 2592000"/>
-                <a:gd name="connsiteX0" fmla="*/ 1296062 w 2592126"/>
-                <a:gd name="connsiteY0" fmla="*/ 1296000 h 2592000"/>
-                <a:gd name="connsiteX1" fmla="*/ 1288989 w 2592126"/>
-                <a:gd name="connsiteY1" fmla="*/ 1393566 h 2592000"/>
-                <a:gd name="connsiteX2" fmla="*/ 1296062 w 2592126"/>
-                <a:gd name="connsiteY2" fmla="*/ 2592000 h 2592000"/>
-                <a:gd name="connsiteX3" fmla="*/ 1163548 w 2592126"/>
-                <a:gd name="connsiteY3" fmla="*/ 2585309 h 2592000"/>
-                <a:gd name="connsiteX4" fmla="*/ 0 w 2592126"/>
-                <a:gd name="connsiteY4" fmla="*/ 1296000 h 2592000"/>
-                <a:gd name="connsiteX5" fmla="*/ 1296063 w 2592126"/>
-                <a:gd name="connsiteY5" fmla="*/ 0 h 2592000"/>
-                <a:gd name="connsiteX6" fmla="*/ 2592126 w 2592126"/>
-                <a:gd name="connsiteY6" fmla="*/ 1296000 h 2592000"/>
-                <a:gd name="connsiteX0" fmla="*/ 1288989 w 2592126"/>
-                <a:gd name="connsiteY0" fmla="*/ 1393566 h 2592000"/>
-                <a:gd name="connsiteX1" fmla="*/ 1296062 w 2592126"/>
-                <a:gd name="connsiteY1" fmla="*/ 2592000 h 2592000"/>
-                <a:gd name="connsiteX2" fmla="*/ 1163548 w 2592126"/>
-                <a:gd name="connsiteY2" fmla="*/ 2585309 h 2592000"/>
-                <a:gd name="connsiteX3" fmla="*/ 0 w 2592126"/>
-                <a:gd name="connsiteY3" fmla="*/ 1296000 h 2592000"/>
-                <a:gd name="connsiteX4" fmla="*/ 1296063 w 2592126"/>
-                <a:gd name="connsiteY4" fmla="*/ 0 h 2592000"/>
-                <a:gd name="connsiteX5" fmla="*/ 2592126 w 2592126"/>
-                <a:gd name="connsiteY5" fmla="*/ 1296000 h 2592000"/>
-                <a:gd name="connsiteX0" fmla="*/ 1296062 w 2592126"/>
-                <a:gd name="connsiteY0" fmla="*/ 2592000 h 2592000"/>
-                <a:gd name="connsiteX1" fmla="*/ 1163548 w 2592126"/>
-                <a:gd name="connsiteY1" fmla="*/ 2585309 h 2592000"/>
-                <a:gd name="connsiteX2" fmla="*/ 0 w 2592126"/>
-                <a:gd name="connsiteY2" fmla="*/ 1296000 h 2592000"/>
-                <a:gd name="connsiteX3" fmla="*/ 1296063 w 2592126"/>
-                <a:gd name="connsiteY3" fmla="*/ 0 h 2592000"/>
-                <a:gd name="connsiteX4" fmla="*/ 2592126 w 2592126"/>
-                <a:gd name="connsiteY4" fmla="*/ 1296000 h 2592000"/>
-                <a:gd name="connsiteX0" fmla="*/ 1296062 w 2592126"/>
-                <a:gd name="connsiteY0" fmla="*/ 2592000 h 2592000"/>
-                <a:gd name="connsiteX1" fmla="*/ 1163548 w 2592126"/>
-                <a:gd name="connsiteY1" fmla="*/ 2585309 h 2592000"/>
-                <a:gd name="connsiteX2" fmla="*/ 0 w 2592126"/>
-                <a:gd name="connsiteY2" fmla="*/ 1296000 h 2592000"/>
-                <a:gd name="connsiteX3" fmla="*/ 1296063 w 2592126"/>
-                <a:gd name="connsiteY3" fmla="*/ 0 h 2592000"/>
-                <a:gd name="connsiteX4" fmla="*/ 2592126 w 2592126"/>
-                <a:gd name="connsiteY4" fmla="*/ 1296000 h 2592000"/>
-                <a:gd name="connsiteX0" fmla="*/ 1296062 w 2592126"/>
-                <a:gd name="connsiteY0" fmla="*/ 2592000 h 2592000"/>
-                <a:gd name="connsiteX1" fmla="*/ 1163548 w 2592126"/>
-                <a:gd name="connsiteY1" fmla="*/ 2585309 h 2592000"/>
-                <a:gd name="connsiteX2" fmla="*/ 0 w 2592126"/>
-                <a:gd name="connsiteY2" fmla="*/ 1296000 h 2592000"/>
-                <a:gd name="connsiteX3" fmla="*/ 1296063 w 2592126"/>
-                <a:gd name="connsiteY3" fmla="*/ 0 h 2592000"/>
-                <a:gd name="connsiteX4" fmla="*/ 2592126 w 2592126"/>
-                <a:gd name="connsiteY4" fmla="*/ 1296000 h 2592000"/>
-                <a:gd name="connsiteX0" fmla="*/ 1163548 w 2592126"/>
-                <a:gd name="connsiteY0" fmla="*/ 2585309 h 2585309"/>
-                <a:gd name="connsiteX1" fmla="*/ 0 w 2592126"/>
-                <a:gd name="connsiteY1" fmla="*/ 1296000 h 2585309"/>
-                <a:gd name="connsiteX2" fmla="*/ 1296063 w 2592126"/>
-                <a:gd name="connsiteY2" fmla="*/ 0 h 2585309"/>
-                <a:gd name="connsiteX3" fmla="*/ 2592126 w 2592126"/>
-                <a:gd name="connsiteY3" fmla="*/ 1296000 h 2585309"/>
-                <a:gd name="connsiteX0" fmla="*/ 0 w 2592126"/>
-                <a:gd name="connsiteY0" fmla="*/ 1296000 h 1296000"/>
-                <a:gd name="connsiteX1" fmla="*/ 1296063 w 2592126"/>
-                <a:gd name="connsiteY1" fmla="*/ 0 h 1296000"/>
-                <a:gd name="connsiteX2" fmla="*/ 2592126 w 2592126"/>
-                <a:gd name="connsiteY2" fmla="*/ 1296000 h 1296000"/>
-                <a:gd name="connsiteX0" fmla="*/ 0 w 1296063"/>
-                <a:gd name="connsiteY0" fmla="*/ 0 h 1296000"/>
-                <a:gd name="connsiteX1" fmla="*/ 1296063 w 1296063"/>
-                <a:gd name="connsiteY1" fmla="*/ 1296000 h 1296000"/>
-              </a:gdLst>
-              <a:ahLst/>
-              <a:cxnLst>
-                <a:cxn ang="0">
-                  <a:pos x="connsiteX0" y="connsiteY0"/>
-                </a:cxn>
-                <a:cxn ang="0">
-                  <a:pos x="connsiteX1" y="connsiteY1"/>
-                </a:cxn>
-              </a:cxnLst>
-              <a:rect l="l" t="t" r="r" b="b"/>
-              <a:pathLst>
-                <a:path w="1296063" h="1296000">
-                  <a:moveTo>
-                    <a:pt x="0" y="0"/>
-                  </a:moveTo>
-                  <a:cubicBezTo>
-                    <a:pt x="715796" y="0"/>
-                    <a:pt x="1296063" y="580239"/>
-                    <a:pt x="1296063" y="1296000"/>
-                  </a:cubicBezTo>
-                </a:path>
-              </a:pathLst>
-            </a:custGeom>
-            <a:noFill/>
-            <a:ln w="203200">
-              <a:solidFill>
-                <a:schemeClr val="bg1">
-                  <a:lumMod val="65000"/>
-                </a:schemeClr>
-              </a:solidFill>
-            </a:ln>
-          </p:spPr>
-          <p:style>
-            <a:lnRef idx="2">
-              <a:schemeClr val="accent1">
-                <a:shade val="50000"/>
-              </a:schemeClr>
-            </a:lnRef>
-            <a:fillRef idx="1">
-              <a:schemeClr val="accent1"/>
-            </a:fillRef>
-            <a:effectRef idx="0">
-              <a:schemeClr val="accent1"/>
-            </a:effectRef>
-            <a:fontRef idx="minor">
-              <a:schemeClr val="lt1"/>
-            </a:fontRef>
-          </p:style>
-          <p:txBody>
-            <a:bodyPr wrap="square" rtlCol="0" anchor="ctr">
-              <a:noAutofit/>
-            </a:bodyPr>
-            <a:lstStyle/>
-            <a:p>
-              <a:pPr algn="ctr"/>
-              <a:endParaRPr lang="pt-BR" dirty="0">
-                <a:ln>
-                  <a:solidFill>
-                    <a:schemeClr val="bg1">
-                      <a:lumMod val="85000"/>
-                    </a:schemeClr>
-                  </a:solidFill>
-                </a:ln>
-              </a:endParaRPr>
-            </a:p>
-          </p:txBody>
-        </p:sp>
-      </p:grpSp>
+              <a:latin typeface="Loew Heavy" panose="00000A00000000000000" pitchFamily="50" charset="0"/>
+            </a:endParaRPr>
+          </a:p>
+        </p:txBody>
+      </p:sp>
     </p:spTree>
     <p:extLst>
       <p:ext uri="{BB962C8B-B14F-4D97-AF65-F5344CB8AC3E}">
-        <p14:creationId xmlns:p14="http://schemas.microsoft.com/office/powerpoint/2010/main" val="3054932138"/>
+        <p14:creationId xmlns:p14="http://schemas.microsoft.com/office/powerpoint/2010/main" val="4046184975"/>
       </p:ext>
     </p:extLst>
   </p:cSld>
